--- a/public/uploads/slides/ppt/Worst Possible Idea.pptx
+++ b/public/uploads/slides/ppt/Worst Possible Idea.pptx
@@ -2184,7 +2184,7 @@
           </a:ln>
           <a:extLst>
             <a:ext uri="{C572A759-6A51-4108-AA02-DFA0A04FC94B}">
-              <ma14:wrappingTextBoxFlag xmlns:ma14="http://schemas.microsoft.com/office/mac/drawingml/2011/main" xmlns="" val="1"/>
+              <ma14:wrappingTextBoxFlag xmlns="" xmlns:ma14="http://schemas.microsoft.com/office/mac/drawingml/2011/main" val="1"/>
             </a:ext>
           </a:extLst>
         </p:spPr>
@@ -2223,7 +2223,7 @@
           </a:ln>
           <a:extLst>
             <a:ext uri="{C572A759-6A51-4108-AA02-DFA0A04FC94B}">
-              <ma14:wrappingTextBoxFlag xmlns:ma14="http://schemas.microsoft.com/office/mac/drawingml/2011/main" xmlns="" val="1"/>
+              <ma14:wrappingTextBoxFlag xmlns="" xmlns:ma14="http://schemas.microsoft.com/office/mac/drawingml/2011/main" val="1"/>
             </a:ext>
           </a:extLst>
         </p:spPr>
@@ -3205,7 +3205,7 @@
             </a:ln>
             <a:extLst>
               <a:ext uri="{C572A759-6A51-4108-AA02-DFA0A04FC94B}">
-                <ma14:wrappingTextBoxFlag xmlns:ma14="http://schemas.microsoft.com/office/mac/drawingml/2011/main" xmlns="" val="1"/>
+                <ma14:wrappingTextBoxFlag xmlns="" xmlns:ma14="http://schemas.microsoft.com/office/mac/drawingml/2011/main" val="1"/>
               </a:ext>
             </a:extLst>
           </p:spPr>
@@ -3344,7 +3344,7 @@
             </a:ln>
             <a:extLst>
               <a:ext uri="{C572A759-6A51-4108-AA02-DFA0A04FC94B}">
-                <ma14:wrappingTextBoxFlag xmlns:ma14="http://schemas.microsoft.com/office/mac/drawingml/2011/main" xmlns="" val="1"/>
+                <ma14:wrappingTextBoxFlag xmlns="" xmlns:ma14="http://schemas.microsoft.com/office/mac/drawingml/2011/main" val="1"/>
               </a:ext>
             </a:extLst>
           </p:spPr>
@@ -3391,7 +3391,7 @@
             </a:ln>
             <a:extLst>
               <a:ext uri="{C572A759-6A51-4108-AA02-DFA0A04FC94B}">
-                <ma14:wrappingTextBoxFlag xmlns:ma14="http://schemas.microsoft.com/office/mac/drawingml/2011/main" xmlns="" val="1"/>
+                <ma14:wrappingTextBoxFlag xmlns="" xmlns:ma14="http://schemas.microsoft.com/office/mac/drawingml/2011/main" val="1"/>
               </a:ext>
             </a:extLst>
           </p:spPr>
@@ -3530,8 +3530,8 @@
         </p:nvSpPr>
         <p:spPr>
           <a:xfrm>
-            <a:off x="16175715" y="11735663"/>
-            <a:ext cx="7449218" cy="2298705"/>
+            <a:off x="12191046" y="12146174"/>
+            <a:ext cx="17584616" cy="1683152"/>
           </a:xfrm>
           <a:prstGeom prst="rect">
             <a:avLst/>
@@ -3541,17 +3541,17 @@
           </a:ln>
           <a:extLst>
             <a:ext uri="{C572A759-6A51-4108-AA02-DFA0A04FC94B}">
-              <ma14:wrappingTextBoxFlag xmlns:ma14="http://schemas.microsoft.com/office/mac/drawingml/2011/main" xmlns="" val="1"/>
+              <ma14:wrappingTextBoxFlag xmlns="" xmlns:ma14="http://schemas.microsoft.com/office/mac/drawingml/2011/main" val="1"/>
             </a:ext>
           </a:extLst>
         </p:spPr>
         <p:txBody>
-          <a:bodyPr wrap="none" lIns="71437" tIns="71437" rIns="71437" bIns="71437" anchor="ctr">
+          <a:bodyPr wrap="square" lIns="71437" tIns="71437" rIns="71437" bIns="71437" anchor="ctr">
             <a:spAutoFit/>
           </a:bodyPr>
           <a:lstStyle/>
           <a:p>
-            <a:pPr algn="r">
+            <a:pPr algn="l">
               <a:defRPr sz="2000" b="0">
                 <a:solidFill>
                   <a:srgbClr val="919191"/>
@@ -3565,7 +3565,7 @@
             <a:endParaRPr lang="en-AU" dirty="0"/>
           </a:p>
           <a:p>
-            <a:pPr algn="r">
+            <a:pPr algn="l">
               <a:defRPr sz="2000" b="0">
                 <a:solidFill>
                   <a:srgbClr val="919191"/>
@@ -3576,10 +3576,53 @@
                 <a:sym typeface="Montserrat Medium"/>
               </a:defRPr>
             </a:pPr>
-            <a:endParaRPr lang="en-AU" dirty="0"/>
+            <a:r>
+              <a:rPr dirty="0"/>
+              <a:t>Image Attribution</a:t>
+            </a:r>
+            <a:r>
+              <a:rPr lang="en-AU" dirty="0"/>
+              <a:t>: </a:t>
+            </a:r>
+            <a:r>
+              <a:rPr lang="en-AU" sz="2000" b="0" dirty="0" err="1">
+                <a:sym typeface="Montserrat Medium"/>
+              </a:rPr>
+              <a:t>Soozed</a:t>
+            </a:r>
+            <a:r>
+              <a:rPr lang="en-AU" sz="2000" b="0" dirty="0">
+                <a:sym typeface="Montserrat Medium"/>
+              </a:rPr>
+              <a:t>, CC BY 2.0, https://</a:t>
+            </a:r>
+            <a:r>
+              <a:rPr lang="en-AU" sz="2000" b="0" dirty="0" err="1">
+                <a:sym typeface="Montserrat Medium"/>
+              </a:rPr>
+              <a:t>www.flickr.com</a:t>
+            </a:r>
+            <a:r>
+              <a:rPr lang="en-AU" sz="2000" b="0" dirty="0">
+                <a:sym typeface="Montserrat Medium"/>
+              </a:rPr>
+              <a:t>/photos/</a:t>
+            </a:r>
+            <a:r>
+              <a:rPr lang="en-AU" sz="2000" b="0" dirty="0" err="1">
+                <a:sym typeface="Montserrat Medium"/>
+              </a:rPr>
+              <a:t>soozed</a:t>
+            </a:r>
+            <a:r>
+              <a:rPr lang="en-AU" sz="2000" b="0" dirty="0">
+                <a:sym typeface="Montserrat Medium"/>
+              </a:rPr>
+              <a:t>/10345656063</a:t>
+            </a:r>
           </a:p>
           <a:p>
-            <a:pPr algn="r">
+            <a:pPr algn="l">
               <a:defRPr sz="2000" b="0">
                 <a:solidFill>
                   <a:srgbClr val="919191"/>
@@ -3591,82 +3634,6 @@
               </a:defRPr>
             </a:pPr>
             <a:r>
-              <a:rPr dirty="0"/>
-              <a:t>Image Attribution</a:t>
-            </a:r>
-            <a:r>
-              <a:rPr lang="en-AU" dirty="0"/>
-              <a:t>: </a:t>
-            </a:r>
-            <a:r>
-              <a:rPr lang="en-AU" sz="2000" b="0" dirty="0" err="1">
-                <a:sym typeface="Montserrat Medium"/>
-              </a:rPr>
-              <a:t>Soozed</a:t>
-            </a:r>
-            <a:r>
-              <a:rPr lang="en-AU" sz="2000" b="0" dirty="0">
-                <a:sym typeface="Montserrat Medium"/>
-              </a:rPr>
-              <a:t>, CC BY 2.0, https://</a:t>
-            </a:r>
-            <a:r>
-              <a:rPr lang="en-AU" sz="2000" b="0" dirty="0" err="1">
-                <a:sym typeface="Montserrat Medium"/>
-              </a:rPr>
-              <a:t>www.flickr</a:t>
-            </a:r>
-            <a:r>
-              <a:rPr lang="en-AU" sz="2000" b="0" dirty="0">
-                <a:sym typeface="Montserrat Medium"/>
-              </a:rPr>
-              <a:t>.</a:t>
-            </a:r>
-          </a:p>
-          <a:p>
-            <a:pPr algn="r">
-              <a:defRPr sz="2000" b="0">
-                <a:solidFill>
-                  <a:srgbClr val="919191"/>
-                </a:solidFill>
-                <a:latin typeface="Montserrat Medium"/>
-                <a:ea typeface="Montserrat Medium"/>
-                <a:cs typeface="Montserrat Medium"/>
-                <a:sym typeface="Montserrat Medium"/>
-              </a:defRPr>
-            </a:pPr>
-            <a:r>
-              <a:rPr lang="en-AU" sz="2000" b="0" dirty="0">
-                <a:sym typeface="Montserrat Medium"/>
-              </a:rPr>
-              <a:t>com/photos/</a:t>
-            </a:r>
-            <a:r>
-              <a:rPr lang="en-AU" sz="2000" b="0" dirty="0" err="1">
-                <a:sym typeface="Montserrat Medium"/>
-              </a:rPr>
-              <a:t>soozed</a:t>
-            </a:r>
-            <a:r>
-              <a:rPr lang="en-AU" sz="2000" b="0" dirty="0">
-                <a:sym typeface="Montserrat Medium"/>
-              </a:rPr>
-              <a:t>/10345656063</a:t>
-            </a:r>
-          </a:p>
-          <a:p>
-            <a:pPr algn="r">
-              <a:defRPr sz="2000" b="0">
-                <a:solidFill>
-                  <a:srgbClr val="919191"/>
-                </a:solidFill>
-                <a:latin typeface="Montserrat Medium"/>
-                <a:ea typeface="Montserrat Medium"/>
-                <a:cs typeface="Montserrat Medium"/>
-                <a:sym typeface="Montserrat Medium"/>
-              </a:defRPr>
-            </a:pPr>
-            <a:r>
               <a:rPr lang="en-AU" sz="2000" b="0" dirty="0">
                 <a:sym typeface="Montserrat Medium"/>
               </a:rPr>
@@ -3674,7 +3641,7 @@
             </a:r>
           </a:p>
           <a:p>
-            <a:pPr algn="r">
+            <a:pPr algn="l">
               <a:defRPr sz="2000" b="0">
                 <a:solidFill>
                   <a:srgbClr val="919191"/>
@@ -3690,7 +3657,7 @@
             </a:endParaRPr>
           </a:p>
           <a:p>
-            <a:pPr algn="r">
+            <a:pPr algn="l">
               <a:defRPr sz="2000" b="0">
                 <a:solidFill>
                   <a:srgbClr val="919191"/>
@@ -3982,7 +3949,7 @@
           </a:ln>
           <a:extLst>
             <a:ext uri="{C572A759-6A51-4108-AA02-DFA0A04FC94B}">
-              <ma14:wrappingTextBoxFlag xmlns:ma14="http://schemas.microsoft.com/office/mac/drawingml/2011/main" xmlns="" val="1"/>
+              <ma14:wrappingTextBoxFlag xmlns="" xmlns:ma14="http://schemas.microsoft.com/office/mac/drawingml/2011/main" val="1"/>
             </a:ext>
           </a:extLst>
         </p:spPr>
@@ -4039,7 +4006,7 @@
           </a:ln>
           <a:extLst>
             <a:ext uri="{C572A759-6A51-4108-AA02-DFA0A04FC94B}">
-              <ma14:wrappingTextBoxFlag xmlns:ma14="http://schemas.microsoft.com/office/mac/drawingml/2011/main" xmlns="" val="1"/>
+              <ma14:wrappingTextBoxFlag xmlns="" xmlns:ma14="http://schemas.microsoft.com/office/mac/drawingml/2011/main" val="1"/>
             </a:ext>
           </a:extLst>
         </p:spPr>
@@ -4258,7 +4225,7 @@
             </a:ln>
             <a:extLst>
               <a:ext uri="{C572A759-6A51-4108-AA02-DFA0A04FC94B}">
-                <ma14:wrappingTextBoxFlag xmlns:ma14="http://schemas.microsoft.com/office/mac/drawingml/2011/main" xmlns="" val="1"/>
+                <ma14:wrappingTextBoxFlag xmlns="" xmlns:ma14="http://schemas.microsoft.com/office/mac/drawingml/2011/main" val="1"/>
               </a:ext>
             </a:extLst>
           </p:spPr>
@@ -4323,7 +4290,7 @@
             </a:ln>
             <a:extLst>
               <a:ext uri="{C572A759-6A51-4108-AA02-DFA0A04FC94B}">
-                <ma14:wrappingTextBoxFlag xmlns:ma14="http://schemas.microsoft.com/office/mac/drawingml/2011/main" xmlns="" val="1"/>
+                <ma14:wrappingTextBoxFlag xmlns="" xmlns:ma14="http://schemas.microsoft.com/office/mac/drawingml/2011/main" val="1"/>
               </a:ext>
             </a:extLst>
           </p:spPr>
@@ -4378,7 +4345,7 @@
           </a:ln>
           <a:extLst>
             <a:ext uri="{C572A759-6A51-4108-AA02-DFA0A04FC94B}">
-              <ma14:wrappingTextBoxFlag xmlns:ma14="http://schemas.microsoft.com/office/mac/drawingml/2011/main" xmlns="" val="1"/>
+              <ma14:wrappingTextBoxFlag xmlns="" xmlns:ma14="http://schemas.microsoft.com/office/mac/drawingml/2011/main" val="1"/>
             </a:ext>
           </a:extLst>
         </p:spPr>
@@ -4553,7 +4520,7 @@
           </a:ln>
           <a:extLst>
             <a:ext uri="{C572A759-6A51-4108-AA02-DFA0A04FC94B}">
-              <ma14:wrappingTextBoxFlag xmlns:ma14="http://schemas.microsoft.com/office/mac/drawingml/2011/main" xmlns="" val="1"/>
+              <ma14:wrappingTextBoxFlag xmlns="" xmlns:ma14="http://schemas.microsoft.com/office/mac/drawingml/2011/main" val="1"/>
             </a:ext>
           </a:extLst>
         </p:spPr>
@@ -4608,7 +4575,7 @@
           </a:ln>
           <a:extLst>
             <a:ext uri="{C572A759-6A51-4108-AA02-DFA0A04FC94B}">
-              <ma14:wrappingTextBoxFlag xmlns:ma14="http://schemas.microsoft.com/office/mac/drawingml/2011/main" xmlns="" val="1"/>
+              <ma14:wrappingTextBoxFlag xmlns="" xmlns:ma14="http://schemas.microsoft.com/office/mac/drawingml/2011/main" val="1"/>
             </a:ext>
           </a:extLst>
         </p:spPr>
@@ -4664,7 +4631,7 @@
           </a:ln>
           <a:extLst>
             <a:ext uri="{C572A759-6A51-4108-AA02-DFA0A04FC94B}">
-              <ma14:wrappingTextBoxFlag xmlns:ma14="http://schemas.microsoft.com/office/mac/drawingml/2011/main" xmlns="" val="1"/>
+              <ma14:wrappingTextBoxFlag xmlns="" xmlns:ma14="http://schemas.microsoft.com/office/mac/drawingml/2011/main" val="1"/>
             </a:ext>
           </a:extLst>
         </p:spPr>
@@ -4720,7 +4687,7 @@
           </a:ln>
           <a:extLst>
             <a:ext uri="{C572A759-6A51-4108-AA02-DFA0A04FC94B}">
-              <ma14:wrappingTextBoxFlag xmlns:ma14="http://schemas.microsoft.com/office/mac/drawingml/2011/main" xmlns="" val="1"/>
+              <ma14:wrappingTextBoxFlag xmlns="" xmlns:ma14="http://schemas.microsoft.com/office/mac/drawingml/2011/main" val="1"/>
             </a:ext>
           </a:extLst>
         </p:spPr>
@@ -4776,7 +4743,7 @@
           </a:ln>
           <a:extLst>
             <a:ext uri="{C572A759-6A51-4108-AA02-DFA0A04FC94B}">
-              <ma14:wrappingTextBoxFlag xmlns:ma14="http://schemas.microsoft.com/office/mac/drawingml/2011/main" xmlns="" val="1"/>
+              <ma14:wrappingTextBoxFlag xmlns="" xmlns:ma14="http://schemas.microsoft.com/office/mac/drawingml/2011/main" val="1"/>
             </a:ext>
           </a:extLst>
         </p:spPr>
@@ -4832,7 +4799,7 @@
           </a:ln>
           <a:extLst>
             <a:ext uri="{C572A759-6A51-4108-AA02-DFA0A04FC94B}">
-              <ma14:wrappingTextBoxFlag xmlns:ma14="http://schemas.microsoft.com/office/mac/drawingml/2011/main" xmlns="" val="1"/>
+              <ma14:wrappingTextBoxFlag xmlns="" xmlns:ma14="http://schemas.microsoft.com/office/mac/drawingml/2011/main" val="1"/>
             </a:ext>
           </a:extLst>
         </p:spPr>
@@ -5019,7 +4986,7 @@
             </a:ln>
             <a:extLst>
               <a:ext uri="{C572A759-6A51-4108-AA02-DFA0A04FC94B}">
-                <ma14:wrappingTextBoxFlag xmlns:ma14="http://schemas.microsoft.com/office/mac/drawingml/2011/main" xmlns="" val="1"/>
+                <ma14:wrappingTextBoxFlag xmlns="" xmlns:ma14="http://schemas.microsoft.com/office/mac/drawingml/2011/main" val="1"/>
               </a:ext>
             </a:extLst>
           </p:spPr>
@@ -5104,7 +5071,7 @@
             </a:ln>
             <a:extLst>
               <a:ext uri="{C572A759-6A51-4108-AA02-DFA0A04FC94B}">
-                <ma14:wrappingTextBoxFlag xmlns:ma14="http://schemas.microsoft.com/office/mac/drawingml/2011/main" xmlns="" val="1"/>
+                <ma14:wrappingTextBoxFlag xmlns="" xmlns:ma14="http://schemas.microsoft.com/office/mac/drawingml/2011/main" val="1"/>
               </a:ext>
             </a:extLst>
           </p:spPr>
@@ -5227,7 +5194,7 @@
             </a:ln>
             <a:extLst>
               <a:ext uri="{C572A759-6A51-4108-AA02-DFA0A04FC94B}">
-                <ma14:wrappingTextBoxFlag xmlns:ma14="http://schemas.microsoft.com/office/mac/drawingml/2011/main" xmlns="" val="1"/>
+                <ma14:wrappingTextBoxFlag xmlns="" xmlns:ma14="http://schemas.microsoft.com/office/mac/drawingml/2011/main" val="1"/>
               </a:ext>
             </a:extLst>
           </p:spPr>
@@ -5276,7 +5243,7 @@
             </a:ln>
             <a:extLst>
               <a:ext uri="{C572A759-6A51-4108-AA02-DFA0A04FC94B}">
-                <ma14:wrappingTextBoxFlag xmlns:ma14="http://schemas.microsoft.com/office/mac/drawingml/2011/main" xmlns="" val="1"/>
+                <ma14:wrappingTextBoxFlag xmlns="" xmlns:ma14="http://schemas.microsoft.com/office/mac/drawingml/2011/main" val="1"/>
               </a:ext>
             </a:extLst>
           </p:spPr>
@@ -5324,7 +5291,7 @@
             </a:ln>
             <a:extLst>
               <a:ext uri="{C572A759-6A51-4108-AA02-DFA0A04FC94B}">
-                <ma14:wrappingTextBoxFlag xmlns:ma14="http://schemas.microsoft.com/office/mac/drawingml/2011/main" xmlns="" val="1"/>
+                <ma14:wrappingTextBoxFlag xmlns="" xmlns:ma14="http://schemas.microsoft.com/office/mac/drawingml/2011/main" val="1"/>
               </a:ext>
             </a:extLst>
           </p:spPr>
@@ -5600,7 +5567,7 @@
             </a:ln>
             <a:extLst>
               <a:ext uri="{C572A759-6A51-4108-AA02-DFA0A04FC94B}">
-                <ma14:wrappingTextBoxFlag xmlns:ma14="http://schemas.microsoft.com/office/mac/drawingml/2011/main" xmlns="" val="1"/>
+                <ma14:wrappingTextBoxFlag xmlns="" xmlns:ma14="http://schemas.microsoft.com/office/mac/drawingml/2011/main" val="1"/>
               </a:ext>
             </a:extLst>
           </p:spPr>
@@ -5649,7 +5616,7 @@
             </a:ln>
             <a:extLst>
               <a:ext uri="{C572A759-6A51-4108-AA02-DFA0A04FC94B}">
-                <ma14:wrappingTextBoxFlag xmlns:ma14="http://schemas.microsoft.com/office/mac/drawingml/2011/main" xmlns="" val="1"/>
+                <ma14:wrappingTextBoxFlag xmlns="" xmlns:ma14="http://schemas.microsoft.com/office/mac/drawingml/2011/main" val="1"/>
               </a:ext>
             </a:extLst>
           </p:spPr>
@@ -5777,7 +5744,7 @@
             </a:ln>
             <a:extLst>
               <a:ext uri="{C572A759-6A51-4108-AA02-DFA0A04FC94B}">
-                <ma14:wrappingTextBoxFlag xmlns:ma14="http://schemas.microsoft.com/office/mac/drawingml/2011/main" xmlns="" val="1"/>
+                <ma14:wrappingTextBoxFlag xmlns="" xmlns:ma14="http://schemas.microsoft.com/office/mac/drawingml/2011/main" val="1"/>
               </a:ext>
             </a:extLst>
           </p:spPr>
@@ -5915,7 +5882,7 @@
             </a:ln>
             <a:extLst>
               <a:ext uri="{C572A759-6A51-4108-AA02-DFA0A04FC94B}">
-                <ma14:wrappingTextBoxFlag xmlns:ma14="http://schemas.microsoft.com/office/mac/drawingml/2011/main" xmlns="" val="1"/>
+                <ma14:wrappingTextBoxFlag xmlns="" xmlns:ma14="http://schemas.microsoft.com/office/mac/drawingml/2011/main" val="1"/>
               </a:ext>
             </a:extLst>
           </p:spPr>
@@ -5972,7 +5939,7 @@
             </a:ln>
             <a:extLst>
               <a:ext uri="{C572A759-6A51-4108-AA02-DFA0A04FC94B}">
-                <ma14:wrappingTextBoxFlag xmlns:ma14="http://schemas.microsoft.com/office/mac/drawingml/2011/main" xmlns="" val="1"/>
+                <ma14:wrappingTextBoxFlag xmlns="" xmlns:ma14="http://schemas.microsoft.com/office/mac/drawingml/2011/main" val="1"/>
               </a:ext>
             </a:extLst>
           </p:spPr>
@@ -6007,10 +5974,10 @@
       </p:grpSp>
       <p:sp>
         <p:nvSpPr>
-          <p:cNvPr id="36" name="Shape 275">
+          <p:cNvPr id="35" name="Shape 275">
             <a:extLst>
               <a:ext uri="{FF2B5EF4-FFF2-40B4-BE49-F238E27FC236}">
-                <a16:creationId xmlns:a16="http://schemas.microsoft.com/office/drawing/2014/main" id="{172157E0-0803-3544-BA1F-FFFDD1296FDB}"/>
+                <a16:creationId xmlns:a16="http://schemas.microsoft.com/office/drawing/2014/main" id="{2BE5F161-FF1E-084E-B37A-2B769BA79823}"/>
               </a:ext>
             </a:extLst>
           </p:cNvPr>
@@ -6019,8 +5986,8 @@
         </p:nvSpPr>
         <p:spPr>
           <a:xfrm>
-            <a:off x="16175715" y="12197327"/>
-            <a:ext cx="7449218" cy="1375376"/>
+            <a:off x="12191046" y="12146174"/>
+            <a:ext cx="17584616" cy="1683152"/>
           </a:xfrm>
           <a:prstGeom prst="rect">
             <a:avLst/>
@@ -6030,17 +5997,17 @@
           </a:ln>
           <a:extLst>
             <a:ext uri="{C572A759-6A51-4108-AA02-DFA0A04FC94B}">
-              <ma14:wrappingTextBoxFlag xmlns:ma14="http://schemas.microsoft.com/office/mac/drawingml/2011/main" xmlns="" val="1"/>
+              <ma14:wrappingTextBoxFlag xmlns="" xmlns:ma14="http://schemas.microsoft.com/office/mac/drawingml/2011/main" val="1"/>
             </a:ext>
           </a:extLst>
         </p:spPr>
         <p:txBody>
-          <a:bodyPr wrap="none" lIns="71437" tIns="71437" rIns="71437" bIns="71437" anchor="ctr">
+          <a:bodyPr wrap="square" lIns="71437" tIns="71437" rIns="71437" bIns="71437" anchor="ctr">
             <a:spAutoFit/>
           </a:bodyPr>
           <a:lstStyle/>
           <a:p>
-            <a:pPr algn="r">
+            <a:pPr algn="l">
               <a:defRPr sz="2000" b="0">
                 <a:solidFill>
                   <a:srgbClr val="919191"/>
@@ -6051,29 +6018,10 @@
                 <a:sym typeface="Montserrat Medium"/>
               </a:defRPr>
             </a:pPr>
-            <a:r>
-              <a:rPr lang="en-AU" dirty="0"/>
-              <a:t>Image Attribution: </a:t>
-            </a:r>
-            <a:r>
-              <a:rPr lang="en-AU" dirty="0" err="1"/>
-              <a:t>Soozed</a:t>
-            </a:r>
-            <a:r>
-              <a:rPr lang="en-AU" dirty="0"/>
-              <a:t>, CC BY 2.0, https://</a:t>
-            </a:r>
-            <a:r>
-              <a:rPr lang="en-AU" dirty="0" err="1"/>
-              <a:t>www.flickr</a:t>
-            </a:r>
-            <a:r>
-              <a:rPr lang="en-AU" dirty="0"/>
-              <a:t>.</a:t>
-            </a:r>
+            <a:endParaRPr lang="en-AU" dirty="0"/>
           </a:p>
           <a:p>
-            <a:pPr algn="r">
+            <a:pPr algn="l">
               <a:defRPr sz="2000" b="0">
                 <a:solidFill>
                   <a:srgbClr val="919191"/>
@@ -6085,20 +6033,52 @@
               </a:defRPr>
             </a:pPr>
             <a:r>
+              <a:rPr dirty="0"/>
+              <a:t>Image Attribution</a:t>
+            </a:r>
+            <a:r>
               <a:rPr lang="en-AU" dirty="0"/>
-              <a:t>com/photos/</a:t>
-            </a:r>
-            <a:r>
-              <a:rPr lang="en-AU" dirty="0" err="1"/>
+              <a:t>: </a:t>
+            </a:r>
+            <a:r>
+              <a:rPr lang="en-AU" sz="2000" b="0" dirty="0" err="1">
+                <a:sym typeface="Montserrat Medium"/>
+              </a:rPr>
+              <a:t>Soozed</a:t>
+            </a:r>
+            <a:r>
+              <a:rPr lang="en-AU" sz="2000" b="0" dirty="0">
+                <a:sym typeface="Montserrat Medium"/>
+              </a:rPr>
+              <a:t>, CC BY 2.0, https://</a:t>
+            </a:r>
+            <a:r>
+              <a:rPr lang="en-AU" sz="2000" b="0" dirty="0" err="1">
+                <a:sym typeface="Montserrat Medium"/>
+              </a:rPr>
+              <a:t>www.flickr.com</a:t>
+            </a:r>
+            <a:r>
+              <a:rPr lang="en-AU" sz="2000" b="0" dirty="0">
+                <a:sym typeface="Montserrat Medium"/>
+              </a:rPr>
+              <a:t>/photos/</a:t>
+            </a:r>
+            <a:r>
+              <a:rPr lang="en-AU" sz="2000" b="0" dirty="0" err="1">
+                <a:sym typeface="Montserrat Medium"/>
+              </a:rPr>
               <a:t>soozed</a:t>
             </a:r>
             <a:r>
-              <a:rPr lang="en-AU" dirty="0"/>
+              <a:rPr lang="en-AU" sz="2000" b="0" dirty="0">
+                <a:sym typeface="Montserrat Medium"/>
+              </a:rPr>
               <a:t>/10345656063</a:t>
             </a:r>
           </a:p>
           <a:p>
-            <a:pPr algn="r">
+            <a:pPr algn="l">
               <a:defRPr sz="2000" b="0">
                 <a:solidFill>
                   <a:srgbClr val="919191"/>
@@ -6110,12 +6090,30 @@
               </a:defRPr>
             </a:pPr>
             <a:r>
-              <a:rPr lang="en-AU" dirty="0"/>
+              <a:rPr lang="en-AU" sz="2000" b="0" dirty="0">
+                <a:sym typeface="Montserrat Medium"/>
+              </a:rPr>
               <a:t> </a:t>
             </a:r>
           </a:p>
           <a:p>
-            <a:pPr algn="r">
+            <a:pPr algn="l">
+              <a:defRPr sz="2000" b="0">
+                <a:solidFill>
+                  <a:srgbClr val="919191"/>
+                </a:solidFill>
+                <a:latin typeface="Montserrat Medium"/>
+                <a:ea typeface="Montserrat Medium"/>
+                <a:cs typeface="Montserrat Medium"/>
+                <a:sym typeface="Montserrat Medium"/>
+              </a:defRPr>
+            </a:pPr>
+            <a:endParaRPr lang="en-AU" sz="2000" b="0" dirty="0">
+              <a:sym typeface="Montserrat Medium"/>
+            </a:endParaRPr>
+          </a:p>
+          <a:p>
+            <a:pPr algn="l">
               <a:defRPr sz="2000" b="0">
                 <a:solidFill>
                   <a:srgbClr val="919191"/>
@@ -6274,7 +6272,7 @@
           </a:ln>
           <a:extLst>
             <a:ext uri="{C572A759-6A51-4108-AA02-DFA0A04FC94B}">
-              <ma14:wrappingTextBoxFlag xmlns="" xmlns:ma14="http://schemas.microsoft.com/office/mac/drawingml/2011/main" val="1"/>
+              <ma14:wrappingTextBoxFlag xmlns:ma14="http://schemas.microsoft.com/office/mac/drawingml/2011/main" xmlns="" val="1"/>
             </a:ext>
           </a:extLst>
         </p:spPr>
@@ -6329,7 +6327,7 @@
           </a:ln>
           <a:extLst>
             <a:ext uri="{C572A759-6A51-4108-AA02-DFA0A04FC94B}">
-              <ma14:wrappingTextBoxFlag xmlns="" xmlns:ma14="http://schemas.microsoft.com/office/mac/drawingml/2011/main" val="1"/>
+              <ma14:wrappingTextBoxFlag xmlns:ma14="http://schemas.microsoft.com/office/mac/drawingml/2011/main" xmlns="" val="1"/>
             </a:ext>
           </a:extLst>
         </p:spPr>
@@ -6385,7 +6383,7 @@
           </a:ln>
           <a:extLst>
             <a:ext uri="{C572A759-6A51-4108-AA02-DFA0A04FC94B}">
-              <ma14:wrappingTextBoxFlag xmlns="" xmlns:ma14="http://schemas.microsoft.com/office/mac/drawingml/2011/main" val="1"/>
+              <ma14:wrappingTextBoxFlag xmlns:ma14="http://schemas.microsoft.com/office/mac/drawingml/2011/main" xmlns="" val="1"/>
             </a:ext>
           </a:extLst>
         </p:spPr>
@@ -6441,7 +6439,7 @@
           </a:ln>
           <a:extLst>
             <a:ext uri="{C572A759-6A51-4108-AA02-DFA0A04FC94B}">
-              <ma14:wrappingTextBoxFlag xmlns="" xmlns:ma14="http://schemas.microsoft.com/office/mac/drawingml/2011/main" val="1"/>
+              <ma14:wrappingTextBoxFlag xmlns:ma14="http://schemas.microsoft.com/office/mac/drawingml/2011/main" xmlns="" val="1"/>
             </a:ext>
           </a:extLst>
         </p:spPr>
@@ -6497,7 +6495,7 @@
           </a:ln>
           <a:extLst>
             <a:ext uri="{C572A759-6A51-4108-AA02-DFA0A04FC94B}">
-              <ma14:wrappingTextBoxFlag xmlns="" xmlns:ma14="http://schemas.microsoft.com/office/mac/drawingml/2011/main" val="1"/>
+              <ma14:wrappingTextBoxFlag xmlns:ma14="http://schemas.microsoft.com/office/mac/drawingml/2011/main" xmlns="" val="1"/>
             </a:ext>
           </a:extLst>
         </p:spPr>
@@ -6553,7 +6551,7 @@
           </a:ln>
           <a:extLst>
             <a:ext uri="{C572A759-6A51-4108-AA02-DFA0A04FC94B}">
-              <ma14:wrappingTextBoxFlag xmlns="" xmlns:ma14="http://schemas.microsoft.com/office/mac/drawingml/2011/main" val="1"/>
+              <ma14:wrappingTextBoxFlag xmlns:ma14="http://schemas.microsoft.com/office/mac/drawingml/2011/main" xmlns="" val="1"/>
             </a:ext>
           </a:extLst>
         </p:spPr>
@@ -6740,7 +6738,7 @@
             </a:ln>
             <a:extLst>
               <a:ext uri="{C572A759-6A51-4108-AA02-DFA0A04FC94B}">
-                <ma14:wrappingTextBoxFlag xmlns="" xmlns:ma14="http://schemas.microsoft.com/office/mac/drawingml/2011/main" val="1"/>
+                <ma14:wrappingTextBoxFlag xmlns:ma14="http://schemas.microsoft.com/office/mac/drawingml/2011/main" xmlns="" val="1"/>
               </a:ext>
             </a:extLst>
           </p:spPr>
@@ -6825,7 +6823,7 @@
             </a:ln>
             <a:extLst>
               <a:ext uri="{C572A759-6A51-4108-AA02-DFA0A04FC94B}">
-                <ma14:wrappingTextBoxFlag xmlns="" xmlns:ma14="http://schemas.microsoft.com/office/mac/drawingml/2011/main" val="1"/>
+                <ma14:wrappingTextBoxFlag xmlns:ma14="http://schemas.microsoft.com/office/mac/drawingml/2011/main" xmlns="" val="1"/>
               </a:ext>
             </a:extLst>
           </p:spPr>
@@ -6948,7 +6946,7 @@
             </a:ln>
             <a:extLst>
               <a:ext uri="{C572A759-6A51-4108-AA02-DFA0A04FC94B}">
-                <ma14:wrappingTextBoxFlag xmlns="" xmlns:ma14="http://schemas.microsoft.com/office/mac/drawingml/2011/main" val="1"/>
+                <ma14:wrappingTextBoxFlag xmlns:ma14="http://schemas.microsoft.com/office/mac/drawingml/2011/main" xmlns="" val="1"/>
               </a:ext>
             </a:extLst>
           </p:spPr>
@@ -6997,7 +6995,7 @@
             </a:ln>
             <a:extLst>
               <a:ext uri="{C572A759-6A51-4108-AA02-DFA0A04FC94B}">
-                <ma14:wrappingTextBoxFlag xmlns="" xmlns:ma14="http://schemas.microsoft.com/office/mac/drawingml/2011/main" val="1"/>
+                <ma14:wrappingTextBoxFlag xmlns:ma14="http://schemas.microsoft.com/office/mac/drawingml/2011/main" xmlns="" val="1"/>
               </a:ext>
             </a:extLst>
           </p:spPr>
@@ -7045,7 +7043,7 @@
             </a:ln>
             <a:extLst>
               <a:ext uri="{C572A759-6A51-4108-AA02-DFA0A04FC94B}">
-                <ma14:wrappingTextBoxFlag xmlns="" xmlns:ma14="http://schemas.microsoft.com/office/mac/drawingml/2011/main" val="1"/>
+                <ma14:wrappingTextBoxFlag xmlns:ma14="http://schemas.microsoft.com/office/mac/drawingml/2011/main" xmlns="" val="1"/>
               </a:ext>
             </a:extLst>
           </p:spPr>
@@ -7321,7 +7319,7 @@
             </a:ln>
             <a:extLst>
               <a:ext uri="{C572A759-6A51-4108-AA02-DFA0A04FC94B}">
-                <ma14:wrappingTextBoxFlag xmlns="" xmlns:ma14="http://schemas.microsoft.com/office/mac/drawingml/2011/main" val="1"/>
+                <ma14:wrappingTextBoxFlag xmlns:ma14="http://schemas.microsoft.com/office/mac/drawingml/2011/main" xmlns="" val="1"/>
               </a:ext>
             </a:extLst>
           </p:spPr>
@@ -7370,7 +7368,7 @@
             </a:ln>
             <a:extLst>
               <a:ext uri="{C572A759-6A51-4108-AA02-DFA0A04FC94B}">
-                <ma14:wrappingTextBoxFlag xmlns="" xmlns:ma14="http://schemas.microsoft.com/office/mac/drawingml/2011/main" val="1"/>
+                <ma14:wrappingTextBoxFlag xmlns:ma14="http://schemas.microsoft.com/office/mac/drawingml/2011/main" xmlns="" val="1"/>
               </a:ext>
             </a:extLst>
           </p:spPr>
@@ -7498,7 +7496,7 @@
             </a:ln>
             <a:extLst>
               <a:ext uri="{C572A759-6A51-4108-AA02-DFA0A04FC94B}">
-                <ma14:wrappingTextBoxFlag xmlns="" xmlns:ma14="http://schemas.microsoft.com/office/mac/drawingml/2011/main" val="1"/>
+                <ma14:wrappingTextBoxFlag xmlns:ma14="http://schemas.microsoft.com/office/mac/drawingml/2011/main" xmlns="" val="1"/>
               </a:ext>
             </a:extLst>
           </p:spPr>
@@ -7636,7 +7634,7 @@
             </a:ln>
             <a:extLst>
               <a:ext uri="{C572A759-6A51-4108-AA02-DFA0A04FC94B}">
-                <ma14:wrappingTextBoxFlag xmlns="" xmlns:ma14="http://schemas.microsoft.com/office/mac/drawingml/2011/main" val="1"/>
+                <ma14:wrappingTextBoxFlag xmlns:ma14="http://schemas.microsoft.com/office/mac/drawingml/2011/main" xmlns="" val="1"/>
               </a:ext>
             </a:extLst>
           </p:spPr>
@@ -7693,7 +7691,7 @@
             </a:ln>
             <a:extLst>
               <a:ext uri="{C572A759-6A51-4108-AA02-DFA0A04FC94B}">
-                <ma14:wrappingTextBoxFlag xmlns="" xmlns:ma14="http://schemas.microsoft.com/office/mac/drawingml/2011/main" val="1"/>
+                <ma14:wrappingTextBoxFlag xmlns:ma14="http://schemas.microsoft.com/office/mac/drawingml/2011/main" xmlns="" val="1"/>
               </a:ext>
             </a:extLst>
           </p:spPr>
@@ -7728,10 +7726,10 @@
       </p:grpSp>
       <p:sp>
         <p:nvSpPr>
-          <p:cNvPr id="36" name="Shape 275">
+          <p:cNvPr id="35" name="Shape 275">
             <a:extLst>
               <a:ext uri="{FF2B5EF4-FFF2-40B4-BE49-F238E27FC236}">
-                <a16:creationId xmlns:a16="http://schemas.microsoft.com/office/drawing/2014/main" id="{172157E0-0803-3544-BA1F-FFFDD1296FDB}"/>
+                <a16:creationId xmlns:a16="http://schemas.microsoft.com/office/drawing/2014/main" id="{304F5C3A-A2F3-CC4A-9AEE-EA7BF9030E00}"/>
               </a:ext>
             </a:extLst>
           </p:cNvPr>
@@ -7740,8 +7738,8 @@
         </p:nvSpPr>
         <p:spPr>
           <a:xfrm>
-            <a:off x="16175715" y="12197327"/>
-            <a:ext cx="7449218" cy="1375376"/>
+            <a:off x="12191046" y="12146174"/>
+            <a:ext cx="17584616" cy="1683152"/>
           </a:xfrm>
           <a:prstGeom prst="rect">
             <a:avLst/>
@@ -7756,12 +7754,12 @@
           </a:extLst>
         </p:spPr>
         <p:txBody>
-          <a:bodyPr wrap="none" lIns="71437" tIns="71437" rIns="71437" bIns="71437" anchor="ctr">
+          <a:bodyPr wrap="square" lIns="71437" tIns="71437" rIns="71437" bIns="71437" anchor="ctr">
             <a:spAutoFit/>
           </a:bodyPr>
           <a:lstStyle/>
           <a:p>
-            <a:pPr algn="r">
+            <a:pPr algn="l">
               <a:defRPr sz="2000" b="0">
                 <a:solidFill>
                   <a:srgbClr val="919191"/>
@@ -7772,29 +7770,10 @@
                 <a:sym typeface="Montserrat Medium"/>
               </a:defRPr>
             </a:pPr>
-            <a:r>
-              <a:rPr lang="en-AU" dirty="0"/>
-              <a:t>Image Attribution: </a:t>
-            </a:r>
-            <a:r>
-              <a:rPr lang="en-AU" dirty="0" err="1"/>
-              <a:t>Soozed</a:t>
-            </a:r>
-            <a:r>
-              <a:rPr lang="en-AU" dirty="0"/>
-              <a:t>, CC BY 2.0, https://</a:t>
-            </a:r>
-            <a:r>
-              <a:rPr lang="en-AU" dirty="0" err="1"/>
-              <a:t>www.flickr</a:t>
-            </a:r>
-            <a:r>
-              <a:rPr lang="en-AU" dirty="0"/>
-              <a:t>.</a:t>
-            </a:r>
+            <a:endParaRPr lang="en-AU" dirty="0"/>
           </a:p>
           <a:p>
-            <a:pPr algn="r">
+            <a:pPr algn="l">
               <a:defRPr sz="2000" b="0">
                 <a:solidFill>
                   <a:srgbClr val="919191"/>
@@ -7806,20 +7785,52 @@
               </a:defRPr>
             </a:pPr>
             <a:r>
+              <a:rPr dirty="0"/>
+              <a:t>Image Attribution</a:t>
+            </a:r>
+            <a:r>
               <a:rPr lang="en-AU" dirty="0"/>
-              <a:t>com/photos/</a:t>
-            </a:r>
-            <a:r>
-              <a:rPr lang="en-AU" dirty="0" err="1"/>
+              <a:t>: </a:t>
+            </a:r>
+            <a:r>
+              <a:rPr lang="en-AU" sz="2000" b="0" dirty="0" err="1">
+                <a:sym typeface="Montserrat Medium"/>
+              </a:rPr>
+              <a:t>Soozed</a:t>
+            </a:r>
+            <a:r>
+              <a:rPr lang="en-AU" sz="2000" b="0" dirty="0">
+                <a:sym typeface="Montserrat Medium"/>
+              </a:rPr>
+              <a:t>, CC BY 2.0, https://</a:t>
+            </a:r>
+            <a:r>
+              <a:rPr lang="en-AU" sz="2000" b="0" dirty="0" err="1">
+                <a:sym typeface="Montserrat Medium"/>
+              </a:rPr>
+              <a:t>www.flickr.com</a:t>
+            </a:r>
+            <a:r>
+              <a:rPr lang="en-AU" sz="2000" b="0" dirty="0">
+                <a:sym typeface="Montserrat Medium"/>
+              </a:rPr>
+              <a:t>/photos/</a:t>
+            </a:r>
+            <a:r>
+              <a:rPr lang="en-AU" sz="2000" b="0" dirty="0" err="1">
+                <a:sym typeface="Montserrat Medium"/>
+              </a:rPr>
               <a:t>soozed</a:t>
             </a:r>
             <a:r>
-              <a:rPr lang="en-AU" dirty="0"/>
+              <a:rPr lang="en-AU" sz="2000" b="0" dirty="0">
+                <a:sym typeface="Montserrat Medium"/>
+              </a:rPr>
               <a:t>/10345656063</a:t>
             </a:r>
           </a:p>
           <a:p>
-            <a:pPr algn="r">
+            <a:pPr algn="l">
               <a:defRPr sz="2000" b="0">
                 <a:solidFill>
                   <a:srgbClr val="919191"/>
@@ -7831,12 +7842,30 @@
               </a:defRPr>
             </a:pPr>
             <a:r>
-              <a:rPr lang="en-AU" dirty="0"/>
+              <a:rPr lang="en-AU" sz="2000" b="0" dirty="0">
+                <a:sym typeface="Montserrat Medium"/>
+              </a:rPr>
               <a:t> </a:t>
             </a:r>
           </a:p>
           <a:p>
-            <a:pPr algn="r">
+            <a:pPr algn="l">
+              <a:defRPr sz="2000" b="0">
+                <a:solidFill>
+                  <a:srgbClr val="919191"/>
+                </a:solidFill>
+                <a:latin typeface="Montserrat Medium"/>
+                <a:ea typeface="Montserrat Medium"/>
+                <a:cs typeface="Montserrat Medium"/>
+                <a:sym typeface="Montserrat Medium"/>
+              </a:defRPr>
+            </a:pPr>
+            <a:endParaRPr lang="en-AU" sz="2000" b="0" dirty="0">
+              <a:sym typeface="Montserrat Medium"/>
+            </a:endParaRPr>
+          </a:p>
+          <a:p>
+            <a:pPr algn="l">
               <a:defRPr sz="2000" b="0">
                 <a:solidFill>
                   <a:srgbClr val="919191"/>
@@ -7882,6 +7911,162 @@
           <a:chExt cx="0" cy="0"/>
         </a:xfrm>
       </p:grpSpPr>
+      <p:sp>
+        <p:nvSpPr>
+          <p:cNvPr id="35" name="Shape 275">
+            <a:extLst>
+              <a:ext uri="{FF2B5EF4-FFF2-40B4-BE49-F238E27FC236}">
+                <a16:creationId xmlns:a16="http://schemas.microsoft.com/office/drawing/2014/main" id="{CC1EB2ED-684D-4343-9DB1-75323E404CC6}"/>
+              </a:ext>
+            </a:extLst>
+          </p:cNvPr>
+          <p:cNvSpPr/>
+          <p:nvPr/>
+        </p:nvSpPr>
+        <p:spPr>
+          <a:xfrm>
+            <a:off x="12191046" y="12146174"/>
+            <a:ext cx="17584616" cy="1683152"/>
+          </a:xfrm>
+          <a:prstGeom prst="rect">
+            <a:avLst/>
+          </a:prstGeom>
+          <a:ln w="12700">
+            <a:miter lim="400000"/>
+          </a:ln>
+          <a:extLst>
+            <a:ext uri="{C572A759-6A51-4108-AA02-DFA0A04FC94B}">
+              <ma14:wrappingTextBoxFlag xmlns="" xmlns:ma14="http://schemas.microsoft.com/office/mac/drawingml/2011/main" val="1"/>
+            </a:ext>
+          </a:extLst>
+        </p:spPr>
+        <p:txBody>
+          <a:bodyPr wrap="square" lIns="71437" tIns="71437" rIns="71437" bIns="71437" anchor="ctr">
+            <a:spAutoFit/>
+          </a:bodyPr>
+          <a:lstStyle/>
+          <a:p>
+            <a:pPr algn="l">
+              <a:defRPr sz="2000" b="0">
+                <a:solidFill>
+                  <a:srgbClr val="919191"/>
+                </a:solidFill>
+                <a:latin typeface="Montserrat Medium"/>
+                <a:ea typeface="Montserrat Medium"/>
+                <a:cs typeface="Montserrat Medium"/>
+                <a:sym typeface="Montserrat Medium"/>
+              </a:defRPr>
+            </a:pPr>
+            <a:endParaRPr lang="en-AU" dirty="0"/>
+          </a:p>
+          <a:p>
+            <a:pPr algn="l">
+              <a:defRPr sz="2000" b="0">
+                <a:solidFill>
+                  <a:srgbClr val="919191"/>
+                </a:solidFill>
+                <a:latin typeface="Montserrat Medium"/>
+                <a:ea typeface="Montserrat Medium"/>
+                <a:cs typeface="Montserrat Medium"/>
+                <a:sym typeface="Montserrat Medium"/>
+              </a:defRPr>
+            </a:pPr>
+            <a:r>
+              <a:rPr dirty="0"/>
+              <a:t>Image Attribution</a:t>
+            </a:r>
+            <a:r>
+              <a:rPr lang="en-AU" dirty="0"/>
+              <a:t>: </a:t>
+            </a:r>
+            <a:r>
+              <a:rPr lang="en-AU" sz="2000" b="0" dirty="0" err="1">
+                <a:sym typeface="Montserrat Medium"/>
+              </a:rPr>
+              <a:t>Soozed</a:t>
+            </a:r>
+            <a:r>
+              <a:rPr lang="en-AU" sz="2000" b="0" dirty="0">
+                <a:sym typeface="Montserrat Medium"/>
+              </a:rPr>
+              <a:t>, CC BY 2.0, https://</a:t>
+            </a:r>
+            <a:r>
+              <a:rPr lang="en-AU" sz="2000" b="0" dirty="0" err="1">
+                <a:sym typeface="Montserrat Medium"/>
+              </a:rPr>
+              <a:t>www.flickr.com</a:t>
+            </a:r>
+            <a:r>
+              <a:rPr lang="en-AU" sz="2000" b="0" dirty="0">
+                <a:sym typeface="Montserrat Medium"/>
+              </a:rPr>
+              <a:t>/photos/</a:t>
+            </a:r>
+            <a:r>
+              <a:rPr lang="en-AU" sz="2000" b="0" dirty="0" err="1">
+                <a:sym typeface="Montserrat Medium"/>
+              </a:rPr>
+              <a:t>soozed</a:t>
+            </a:r>
+            <a:r>
+              <a:rPr lang="en-AU" sz="2000" b="0" dirty="0">
+                <a:sym typeface="Montserrat Medium"/>
+              </a:rPr>
+              <a:t>/10345656063</a:t>
+            </a:r>
+          </a:p>
+          <a:p>
+            <a:pPr algn="l">
+              <a:defRPr sz="2000" b="0">
+                <a:solidFill>
+                  <a:srgbClr val="919191"/>
+                </a:solidFill>
+                <a:latin typeface="Montserrat Medium"/>
+                <a:ea typeface="Montserrat Medium"/>
+                <a:cs typeface="Montserrat Medium"/>
+                <a:sym typeface="Montserrat Medium"/>
+              </a:defRPr>
+            </a:pPr>
+            <a:r>
+              <a:rPr lang="en-AU" sz="2000" b="0" dirty="0">
+                <a:sym typeface="Montserrat Medium"/>
+              </a:rPr>
+              <a:t> </a:t>
+            </a:r>
+          </a:p>
+          <a:p>
+            <a:pPr algn="l">
+              <a:defRPr sz="2000" b="0">
+                <a:solidFill>
+                  <a:srgbClr val="919191"/>
+                </a:solidFill>
+                <a:latin typeface="Montserrat Medium"/>
+                <a:ea typeface="Montserrat Medium"/>
+                <a:cs typeface="Montserrat Medium"/>
+                <a:sym typeface="Montserrat Medium"/>
+              </a:defRPr>
+            </a:pPr>
+            <a:endParaRPr lang="en-AU" sz="2000" b="0" dirty="0">
+              <a:sym typeface="Montserrat Medium"/>
+            </a:endParaRPr>
+          </a:p>
+          <a:p>
+            <a:pPr algn="l">
+              <a:defRPr sz="2000" b="0">
+                <a:solidFill>
+                  <a:srgbClr val="919191"/>
+                </a:solidFill>
+                <a:latin typeface="Montserrat Medium"/>
+                <a:ea typeface="Montserrat Medium"/>
+                <a:cs typeface="Montserrat Medium"/>
+                <a:sym typeface="Montserrat Medium"/>
+              </a:defRPr>
+            </a:pPr>
+            <a:endParaRPr lang="en-AU" dirty="0"/>
+          </a:p>
+        </p:txBody>
+      </p:sp>
       <p:pic>
         <p:nvPicPr>
           <p:cNvPr id="4" name="Picture 3">
@@ -8000,7 +8185,7 @@
           </a:ln>
           <a:extLst>
             <a:ext uri="{C572A759-6A51-4108-AA02-DFA0A04FC94B}">
-              <ma14:wrappingTextBoxFlag xmlns:ma14="http://schemas.microsoft.com/office/mac/drawingml/2011/main" xmlns="" val="1"/>
+              <ma14:wrappingTextBoxFlag xmlns="" xmlns:ma14="http://schemas.microsoft.com/office/mac/drawingml/2011/main" val="1"/>
             </a:ext>
           </a:extLst>
         </p:spPr>
@@ -8055,7 +8240,7 @@
           </a:ln>
           <a:extLst>
             <a:ext uri="{C572A759-6A51-4108-AA02-DFA0A04FC94B}">
-              <ma14:wrappingTextBoxFlag xmlns:ma14="http://schemas.microsoft.com/office/mac/drawingml/2011/main" xmlns="" val="1"/>
+              <ma14:wrappingTextBoxFlag xmlns="" xmlns:ma14="http://schemas.microsoft.com/office/mac/drawingml/2011/main" val="1"/>
             </a:ext>
           </a:extLst>
         </p:spPr>
@@ -8111,7 +8296,7 @@
           </a:ln>
           <a:extLst>
             <a:ext uri="{C572A759-6A51-4108-AA02-DFA0A04FC94B}">
-              <ma14:wrappingTextBoxFlag xmlns:ma14="http://schemas.microsoft.com/office/mac/drawingml/2011/main" xmlns="" val="1"/>
+              <ma14:wrappingTextBoxFlag xmlns="" xmlns:ma14="http://schemas.microsoft.com/office/mac/drawingml/2011/main" val="1"/>
             </a:ext>
           </a:extLst>
         </p:spPr>
@@ -8167,7 +8352,7 @@
           </a:ln>
           <a:extLst>
             <a:ext uri="{C572A759-6A51-4108-AA02-DFA0A04FC94B}">
-              <ma14:wrappingTextBoxFlag xmlns:ma14="http://schemas.microsoft.com/office/mac/drawingml/2011/main" xmlns="" val="1"/>
+              <ma14:wrappingTextBoxFlag xmlns="" xmlns:ma14="http://schemas.microsoft.com/office/mac/drawingml/2011/main" val="1"/>
             </a:ext>
           </a:extLst>
         </p:spPr>
@@ -8223,7 +8408,7 @@
           </a:ln>
           <a:extLst>
             <a:ext uri="{C572A759-6A51-4108-AA02-DFA0A04FC94B}">
-              <ma14:wrappingTextBoxFlag xmlns:ma14="http://schemas.microsoft.com/office/mac/drawingml/2011/main" xmlns="" val="1"/>
+              <ma14:wrappingTextBoxFlag xmlns="" xmlns:ma14="http://schemas.microsoft.com/office/mac/drawingml/2011/main" val="1"/>
             </a:ext>
           </a:extLst>
         </p:spPr>
@@ -8279,7 +8464,7 @@
           </a:ln>
           <a:extLst>
             <a:ext uri="{C572A759-6A51-4108-AA02-DFA0A04FC94B}">
-              <ma14:wrappingTextBoxFlag xmlns:ma14="http://schemas.microsoft.com/office/mac/drawingml/2011/main" xmlns="" val="1"/>
+              <ma14:wrappingTextBoxFlag xmlns="" xmlns:ma14="http://schemas.microsoft.com/office/mac/drawingml/2011/main" val="1"/>
             </a:ext>
           </a:extLst>
         </p:spPr>
@@ -8466,7 +8651,7 @@
             </a:ln>
             <a:extLst>
               <a:ext uri="{C572A759-6A51-4108-AA02-DFA0A04FC94B}">
-                <ma14:wrappingTextBoxFlag xmlns:ma14="http://schemas.microsoft.com/office/mac/drawingml/2011/main" xmlns="" val="1"/>
+                <ma14:wrappingTextBoxFlag xmlns="" xmlns:ma14="http://schemas.microsoft.com/office/mac/drawingml/2011/main" val="1"/>
               </a:ext>
             </a:extLst>
           </p:spPr>
@@ -8551,7 +8736,7 @@
             </a:ln>
             <a:extLst>
               <a:ext uri="{C572A759-6A51-4108-AA02-DFA0A04FC94B}">
-                <ma14:wrappingTextBoxFlag xmlns:ma14="http://schemas.microsoft.com/office/mac/drawingml/2011/main" xmlns="" val="1"/>
+                <ma14:wrappingTextBoxFlag xmlns="" xmlns:ma14="http://schemas.microsoft.com/office/mac/drawingml/2011/main" val="1"/>
               </a:ext>
             </a:extLst>
           </p:spPr>
@@ -8674,7 +8859,7 @@
             </a:ln>
             <a:extLst>
               <a:ext uri="{C572A759-6A51-4108-AA02-DFA0A04FC94B}">
-                <ma14:wrappingTextBoxFlag xmlns:ma14="http://schemas.microsoft.com/office/mac/drawingml/2011/main" xmlns="" val="1"/>
+                <ma14:wrappingTextBoxFlag xmlns="" xmlns:ma14="http://schemas.microsoft.com/office/mac/drawingml/2011/main" val="1"/>
               </a:ext>
             </a:extLst>
           </p:spPr>
@@ -8723,7 +8908,7 @@
             </a:ln>
             <a:extLst>
               <a:ext uri="{C572A759-6A51-4108-AA02-DFA0A04FC94B}">
-                <ma14:wrappingTextBoxFlag xmlns:ma14="http://schemas.microsoft.com/office/mac/drawingml/2011/main" xmlns="" val="1"/>
+                <ma14:wrappingTextBoxFlag xmlns="" xmlns:ma14="http://schemas.microsoft.com/office/mac/drawingml/2011/main" val="1"/>
               </a:ext>
             </a:extLst>
           </p:spPr>
@@ -8771,7 +8956,7 @@
             </a:ln>
             <a:extLst>
               <a:ext uri="{C572A759-6A51-4108-AA02-DFA0A04FC94B}">
-                <ma14:wrappingTextBoxFlag xmlns:ma14="http://schemas.microsoft.com/office/mac/drawingml/2011/main" xmlns="" val="1"/>
+                <ma14:wrappingTextBoxFlag xmlns="" xmlns:ma14="http://schemas.microsoft.com/office/mac/drawingml/2011/main" val="1"/>
               </a:ext>
             </a:extLst>
           </p:spPr>
@@ -9047,7 +9232,7 @@
             </a:ln>
             <a:extLst>
               <a:ext uri="{C572A759-6A51-4108-AA02-DFA0A04FC94B}">
-                <ma14:wrappingTextBoxFlag xmlns:ma14="http://schemas.microsoft.com/office/mac/drawingml/2011/main" xmlns="" val="1"/>
+                <ma14:wrappingTextBoxFlag xmlns="" xmlns:ma14="http://schemas.microsoft.com/office/mac/drawingml/2011/main" val="1"/>
               </a:ext>
             </a:extLst>
           </p:spPr>
@@ -9096,7 +9281,7 @@
             </a:ln>
             <a:extLst>
               <a:ext uri="{C572A759-6A51-4108-AA02-DFA0A04FC94B}">
-                <ma14:wrappingTextBoxFlag xmlns:ma14="http://schemas.microsoft.com/office/mac/drawingml/2011/main" xmlns="" val="1"/>
+                <ma14:wrappingTextBoxFlag xmlns="" xmlns:ma14="http://schemas.microsoft.com/office/mac/drawingml/2011/main" val="1"/>
               </a:ext>
             </a:extLst>
           </p:spPr>
@@ -9224,7 +9409,7 @@
             </a:ln>
             <a:extLst>
               <a:ext uri="{C572A759-6A51-4108-AA02-DFA0A04FC94B}">
-                <ma14:wrappingTextBoxFlag xmlns:ma14="http://schemas.microsoft.com/office/mac/drawingml/2011/main" xmlns="" val="1"/>
+                <ma14:wrappingTextBoxFlag xmlns="" xmlns:ma14="http://schemas.microsoft.com/office/mac/drawingml/2011/main" val="1"/>
               </a:ext>
             </a:extLst>
           </p:spPr>
@@ -9362,7 +9547,7 @@
             </a:ln>
             <a:extLst>
               <a:ext uri="{C572A759-6A51-4108-AA02-DFA0A04FC94B}">
-                <ma14:wrappingTextBoxFlag xmlns:ma14="http://schemas.microsoft.com/office/mac/drawingml/2011/main" xmlns="" val="1"/>
+                <ma14:wrappingTextBoxFlag xmlns="" xmlns:ma14="http://schemas.microsoft.com/office/mac/drawingml/2011/main" val="1"/>
               </a:ext>
             </a:extLst>
           </p:spPr>
@@ -9419,7 +9604,7 @@
             </a:ln>
             <a:extLst>
               <a:ext uri="{C572A759-6A51-4108-AA02-DFA0A04FC94B}">
-                <ma14:wrappingTextBoxFlag xmlns:ma14="http://schemas.microsoft.com/office/mac/drawingml/2011/main" xmlns="" val="1"/>
+                <ma14:wrappingTextBoxFlag xmlns="" xmlns:ma14="http://schemas.microsoft.com/office/mac/drawingml/2011/main" val="1"/>
               </a:ext>
             </a:extLst>
           </p:spPr>
@@ -9452,131 +9637,6 @@
           </p:txBody>
         </p:sp>
       </p:grpSp>
-      <p:sp>
-        <p:nvSpPr>
-          <p:cNvPr id="36" name="Shape 275">
-            <a:extLst>
-              <a:ext uri="{FF2B5EF4-FFF2-40B4-BE49-F238E27FC236}">
-                <a16:creationId xmlns:a16="http://schemas.microsoft.com/office/drawing/2014/main" id="{172157E0-0803-3544-BA1F-FFFDD1296FDB}"/>
-              </a:ext>
-            </a:extLst>
-          </p:cNvPr>
-          <p:cNvSpPr/>
-          <p:nvPr/>
-        </p:nvSpPr>
-        <p:spPr>
-          <a:xfrm>
-            <a:off x="16175715" y="12197327"/>
-            <a:ext cx="7449218" cy="1375376"/>
-          </a:xfrm>
-          <a:prstGeom prst="rect">
-            <a:avLst/>
-          </a:prstGeom>
-          <a:ln w="12700">
-            <a:miter lim="400000"/>
-          </a:ln>
-          <a:extLst>
-            <a:ext uri="{C572A759-6A51-4108-AA02-DFA0A04FC94B}">
-              <ma14:wrappingTextBoxFlag xmlns:ma14="http://schemas.microsoft.com/office/mac/drawingml/2011/main" xmlns="" val="1"/>
-            </a:ext>
-          </a:extLst>
-        </p:spPr>
-        <p:txBody>
-          <a:bodyPr wrap="none" lIns="71437" tIns="71437" rIns="71437" bIns="71437" anchor="ctr">
-            <a:spAutoFit/>
-          </a:bodyPr>
-          <a:lstStyle/>
-          <a:p>
-            <a:pPr algn="r">
-              <a:defRPr sz="2000" b="0">
-                <a:solidFill>
-                  <a:srgbClr val="919191"/>
-                </a:solidFill>
-                <a:latin typeface="Montserrat Medium"/>
-                <a:ea typeface="Montserrat Medium"/>
-                <a:cs typeface="Montserrat Medium"/>
-                <a:sym typeface="Montserrat Medium"/>
-              </a:defRPr>
-            </a:pPr>
-            <a:r>
-              <a:rPr lang="en-AU" dirty="0"/>
-              <a:t>Image Attribution: </a:t>
-            </a:r>
-            <a:r>
-              <a:rPr lang="en-AU" dirty="0" err="1"/>
-              <a:t>Soozed</a:t>
-            </a:r>
-            <a:r>
-              <a:rPr lang="en-AU" dirty="0"/>
-              <a:t>, CC BY 2.0, https://</a:t>
-            </a:r>
-            <a:r>
-              <a:rPr lang="en-AU" dirty="0" err="1"/>
-              <a:t>www.flickr</a:t>
-            </a:r>
-            <a:r>
-              <a:rPr lang="en-AU" dirty="0"/>
-              <a:t>.</a:t>
-            </a:r>
-          </a:p>
-          <a:p>
-            <a:pPr algn="r">
-              <a:defRPr sz="2000" b="0">
-                <a:solidFill>
-                  <a:srgbClr val="919191"/>
-                </a:solidFill>
-                <a:latin typeface="Montserrat Medium"/>
-                <a:ea typeface="Montserrat Medium"/>
-                <a:cs typeface="Montserrat Medium"/>
-                <a:sym typeface="Montserrat Medium"/>
-              </a:defRPr>
-            </a:pPr>
-            <a:r>
-              <a:rPr lang="en-AU" dirty="0"/>
-              <a:t>com/photos/</a:t>
-            </a:r>
-            <a:r>
-              <a:rPr lang="en-AU" dirty="0" err="1"/>
-              <a:t>soozed</a:t>
-            </a:r>
-            <a:r>
-              <a:rPr lang="en-AU" dirty="0"/>
-              <a:t>/10345656063</a:t>
-            </a:r>
-          </a:p>
-          <a:p>
-            <a:pPr algn="r">
-              <a:defRPr sz="2000" b="0">
-                <a:solidFill>
-                  <a:srgbClr val="919191"/>
-                </a:solidFill>
-                <a:latin typeface="Montserrat Medium"/>
-                <a:ea typeface="Montserrat Medium"/>
-                <a:cs typeface="Montserrat Medium"/>
-                <a:sym typeface="Montserrat Medium"/>
-              </a:defRPr>
-            </a:pPr>
-            <a:r>
-              <a:rPr lang="en-AU" dirty="0"/>
-              <a:t> </a:t>
-            </a:r>
-          </a:p>
-          <a:p>
-            <a:pPr algn="r">
-              <a:defRPr sz="2000" b="0">
-                <a:solidFill>
-                  <a:srgbClr val="919191"/>
-                </a:solidFill>
-                <a:latin typeface="Montserrat Medium"/>
-                <a:ea typeface="Montserrat Medium"/>
-                <a:cs typeface="Montserrat Medium"/>
-                <a:sym typeface="Montserrat Medium"/>
-              </a:defRPr>
-            </a:pPr>
-            <a:endParaRPr lang="en-AU" dirty="0"/>
-          </a:p>
-        </p:txBody>
-      </p:sp>
     </p:spTree>
     <p:extLst>
       <p:ext uri="{BB962C8B-B14F-4D97-AF65-F5344CB8AC3E}">
@@ -9610,10 +9670,10 @@
       </p:grpSpPr>
       <p:sp>
         <p:nvSpPr>
-          <p:cNvPr id="36" name="Shape 275">
+          <p:cNvPr id="35" name="Shape 275">
             <a:extLst>
               <a:ext uri="{FF2B5EF4-FFF2-40B4-BE49-F238E27FC236}">
-                <a16:creationId xmlns:a16="http://schemas.microsoft.com/office/drawing/2014/main" id="{172157E0-0803-3544-BA1F-FFFDD1296FDB}"/>
+                <a16:creationId xmlns:a16="http://schemas.microsoft.com/office/drawing/2014/main" id="{381C2ADD-36BA-3340-B9AB-F20EF9951C58}"/>
               </a:ext>
             </a:extLst>
           </p:cNvPr>
@@ -9622,8 +9682,8 @@
         </p:nvSpPr>
         <p:spPr>
           <a:xfrm>
-            <a:off x="16175715" y="12197327"/>
-            <a:ext cx="7449218" cy="1375376"/>
+            <a:off x="12191046" y="12146174"/>
+            <a:ext cx="17584616" cy="1683152"/>
           </a:xfrm>
           <a:prstGeom prst="rect">
             <a:avLst/>
@@ -9638,12 +9698,12 @@
           </a:extLst>
         </p:spPr>
         <p:txBody>
-          <a:bodyPr wrap="none" lIns="71437" tIns="71437" rIns="71437" bIns="71437" anchor="ctr">
+          <a:bodyPr wrap="square" lIns="71437" tIns="71437" rIns="71437" bIns="71437" anchor="ctr">
             <a:spAutoFit/>
           </a:bodyPr>
           <a:lstStyle/>
           <a:p>
-            <a:pPr algn="r">
+            <a:pPr algn="l">
               <a:defRPr sz="2000" b="0">
                 <a:solidFill>
                   <a:srgbClr val="919191"/>
@@ -9654,29 +9714,10 @@
                 <a:sym typeface="Montserrat Medium"/>
               </a:defRPr>
             </a:pPr>
-            <a:r>
-              <a:rPr lang="en-AU" dirty="0"/>
-              <a:t>Image Attribution: </a:t>
-            </a:r>
-            <a:r>
-              <a:rPr lang="en-AU" dirty="0" err="1"/>
-              <a:t>Soozed</a:t>
-            </a:r>
-            <a:r>
-              <a:rPr lang="en-AU" dirty="0"/>
-              <a:t>, CC BY 2.0, https://</a:t>
-            </a:r>
-            <a:r>
-              <a:rPr lang="en-AU" dirty="0" err="1"/>
-              <a:t>www.flickr</a:t>
-            </a:r>
-            <a:r>
-              <a:rPr lang="en-AU" dirty="0"/>
-              <a:t>.</a:t>
-            </a:r>
+            <a:endParaRPr lang="en-AU" dirty="0"/>
           </a:p>
           <a:p>
-            <a:pPr algn="r">
+            <a:pPr algn="l">
               <a:defRPr sz="2000" b="0">
                 <a:solidFill>
                   <a:srgbClr val="919191"/>
@@ -9688,20 +9729,52 @@
               </a:defRPr>
             </a:pPr>
             <a:r>
+              <a:rPr dirty="0"/>
+              <a:t>Image Attribution</a:t>
+            </a:r>
+            <a:r>
               <a:rPr lang="en-AU" dirty="0"/>
-              <a:t>com/photos/</a:t>
-            </a:r>
-            <a:r>
-              <a:rPr lang="en-AU" dirty="0" err="1"/>
+              <a:t>: </a:t>
+            </a:r>
+            <a:r>
+              <a:rPr lang="en-AU" sz="2000" b="0" dirty="0" err="1">
+                <a:sym typeface="Montserrat Medium"/>
+              </a:rPr>
+              <a:t>Soozed</a:t>
+            </a:r>
+            <a:r>
+              <a:rPr lang="en-AU" sz="2000" b="0" dirty="0">
+                <a:sym typeface="Montserrat Medium"/>
+              </a:rPr>
+              <a:t>, CC BY 2.0, https://</a:t>
+            </a:r>
+            <a:r>
+              <a:rPr lang="en-AU" sz="2000" b="0" dirty="0" err="1">
+                <a:sym typeface="Montserrat Medium"/>
+              </a:rPr>
+              <a:t>www.flickr.com</a:t>
+            </a:r>
+            <a:r>
+              <a:rPr lang="en-AU" sz="2000" b="0" dirty="0">
+                <a:sym typeface="Montserrat Medium"/>
+              </a:rPr>
+              <a:t>/photos/</a:t>
+            </a:r>
+            <a:r>
+              <a:rPr lang="en-AU" sz="2000" b="0" dirty="0" err="1">
+                <a:sym typeface="Montserrat Medium"/>
+              </a:rPr>
               <a:t>soozed</a:t>
             </a:r>
             <a:r>
-              <a:rPr lang="en-AU" dirty="0"/>
+              <a:rPr lang="en-AU" sz="2000" b="0" dirty="0">
+                <a:sym typeface="Montserrat Medium"/>
+              </a:rPr>
               <a:t>/10345656063</a:t>
             </a:r>
           </a:p>
           <a:p>
-            <a:pPr algn="r">
+            <a:pPr algn="l">
               <a:defRPr sz="2000" b="0">
                 <a:solidFill>
                   <a:srgbClr val="919191"/>
@@ -9713,12 +9786,30 @@
               </a:defRPr>
             </a:pPr>
             <a:r>
-              <a:rPr lang="en-AU" dirty="0"/>
+              <a:rPr lang="en-AU" sz="2000" b="0" dirty="0">
+                <a:sym typeface="Montserrat Medium"/>
+              </a:rPr>
               <a:t> </a:t>
             </a:r>
           </a:p>
           <a:p>
-            <a:pPr algn="r">
+            <a:pPr algn="l">
+              <a:defRPr sz="2000" b="0">
+                <a:solidFill>
+                  <a:srgbClr val="919191"/>
+                </a:solidFill>
+                <a:latin typeface="Montserrat Medium"/>
+                <a:ea typeface="Montserrat Medium"/>
+                <a:cs typeface="Montserrat Medium"/>
+                <a:sym typeface="Montserrat Medium"/>
+              </a:defRPr>
+            </a:pPr>
+            <a:endParaRPr lang="en-AU" sz="2000" b="0" dirty="0">
+              <a:sym typeface="Montserrat Medium"/>
+            </a:endParaRPr>
+          </a:p>
+          <a:p>
+            <a:pPr algn="l">
               <a:defRPr sz="2000" b="0">
                 <a:solidFill>
                   <a:srgbClr val="919191"/>
@@ -9851,7 +9942,7 @@
           </a:ln>
           <a:extLst>
             <a:ext uri="{C572A759-6A51-4108-AA02-DFA0A04FC94B}">
-              <ma14:wrappingTextBoxFlag xmlns="" xmlns:ma14="http://schemas.microsoft.com/office/mac/drawingml/2011/main" val="1"/>
+              <ma14:wrappingTextBoxFlag xmlns:ma14="http://schemas.microsoft.com/office/mac/drawingml/2011/main" xmlns="" val="1"/>
             </a:ext>
           </a:extLst>
         </p:spPr>
@@ -9906,7 +9997,7 @@
           </a:ln>
           <a:extLst>
             <a:ext uri="{C572A759-6A51-4108-AA02-DFA0A04FC94B}">
-              <ma14:wrappingTextBoxFlag xmlns="" xmlns:ma14="http://schemas.microsoft.com/office/mac/drawingml/2011/main" val="1"/>
+              <ma14:wrappingTextBoxFlag xmlns:ma14="http://schemas.microsoft.com/office/mac/drawingml/2011/main" xmlns="" val="1"/>
             </a:ext>
           </a:extLst>
         </p:spPr>
@@ -9962,7 +10053,7 @@
           </a:ln>
           <a:extLst>
             <a:ext uri="{C572A759-6A51-4108-AA02-DFA0A04FC94B}">
-              <ma14:wrappingTextBoxFlag xmlns="" xmlns:ma14="http://schemas.microsoft.com/office/mac/drawingml/2011/main" val="1"/>
+              <ma14:wrappingTextBoxFlag xmlns:ma14="http://schemas.microsoft.com/office/mac/drawingml/2011/main" xmlns="" val="1"/>
             </a:ext>
           </a:extLst>
         </p:spPr>
@@ -10018,7 +10109,7 @@
           </a:ln>
           <a:extLst>
             <a:ext uri="{C572A759-6A51-4108-AA02-DFA0A04FC94B}">
-              <ma14:wrappingTextBoxFlag xmlns="" xmlns:ma14="http://schemas.microsoft.com/office/mac/drawingml/2011/main" val="1"/>
+              <ma14:wrappingTextBoxFlag xmlns:ma14="http://schemas.microsoft.com/office/mac/drawingml/2011/main" xmlns="" val="1"/>
             </a:ext>
           </a:extLst>
         </p:spPr>
@@ -10074,7 +10165,7 @@
           </a:ln>
           <a:extLst>
             <a:ext uri="{C572A759-6A51-4108-AA02-DFA0A04FC94B}">
-              <ma14:wrappingTextBoxFlag xmlns="" xmlns:ma14="http://schemas.microsoft.com/office/mac/drawingml/2011/main" val="1"/>
+              <ma14:wrappingTextBoxFlag xmlns:ma14="http://schemas.microsoft.com/office/mac/drawingml/2011/main" xmlns="" val="1"/>
             </a:ext>
           </a:extLst>
         </p:spPr>
@@ -10130,7 +10221,7 @@
           </a:ln>
           <a:extLst>
             <a:ext uri="{C572A759-6A51-4108-AA02-DFA0A04FC94B}">
-              <ma14:wrappingTextBoxFlag xmlns="" xmlns:ma14="http://schemas.microsoft.com/office/mac/drawingml/2011/main" val="1"/>
+              <ma14:wrappingTextBoxFlag xmlns:ma14="http://schemas.microsoft.com/office/mac/drawingml/2011/main" xmlns="" val="1"/>
             </a:ext>
           </a:extLst>
         </p:spPr>
@@ -10317,7 +10408,7 @@
             </a:ln>
             <a:extLst>
               <a:ext uri="{C572A759-6A51-4108-AA02-DFA0A04FC94B}">
-                <ma14:wrappingTextBoxFlag xmlns="" xmlns:ma14="http://schemas.microsoft.com/office/mac/drawingml/2011/main" val="1"/>
+                <ma14:wrappingTextBoxFlag xmlns:ma14="http://schemas.microsoft.com/office/mac/drawingml/2011/main" xmlns="" val="1"/>
               </a:ext>
             </a:extLst>
           </p:spPr>
@@ -10402,7 +10493,7 @@
             </a:ln>
             <a:extLst>
               <a:ext uri="{C572A759-6A51-4108-AA02-DFA0A04FC94B}">
-                <ma14:wrappingTextBoxFlag xmlns="" xmlns:ma14="http://schemas.microsoft.com/office/mac/drawingml/2011/main" val="1"/>
+                <ma14:wrappingTextBoxFlag xmlns:ma14="http://schemas.microsoft.com/office/mac/drawingml/2011/main" xmlns="" val="1"/>
               </a:ext>
             </a:extLst>
           </p:spPr>
@@ -10525,7 +10616,7 @@
             </a:ln>
             <a:extLst>
               <a:ext uri="{C572A759-6A51-4108-AA02-DFA0A04FC94B}">
-                <ma14:wrappingTextBoxFlag xmlns="" xmlns:ma14="http://schemas.microsoft.com/office/mac/drawingml/2011/main" val="1"/>
+                <ma14:wrappingTextBoxFlag xmlns:ma14="http://schemas.microsoft.com/office/mac/drawingml/2011/main" xmlns="" val="1"/>
               </a:ext>
             </a:extLst>
           </p:spPr>
@@ -10574,7 +10665,7 @@
             </a:ln>
             <a:extLst>
               <a:ext uri="{C572A759-6A51-4108-AA02-DFA0A04FC94B}">
-                <ma14:wrappingTextBoxFlag xmlns="" xmlns:ma14="http://schemas.microsoft.com/office/mac/drawingml/2011/main" val="1"/>
+                <ma14:wrappingTextBoxFlag xmlns:ma14="http://schemas.microsoft.com/office/mac/drawingml/2011/main" xmlns="" val="1"/>
               </a:ext>
             </a:extLst>
           </p:spPr>
@@ -10622,7 +10713,7 @@
             </a:ln>
             <a:extLst>
               <a:ext uri="{C572A759-6A51-4108-AA02-DFA0A04FC94B}">
-                <ma14:wrappingTextBoxFlag xmlns="" xmlns:ma14="http://schemas.microsoft.com/office/mac/drawingml/2011/main" val="1"/>
+                <ma14:wrappingTextBoxFlag xmlns:ma14="http://schemas.microsoft.com/office/mac/drawingml/2011/main" xmlns="" val="1"/>
               </a:ext>
             </a:extLst>
           </p:spPr>
@@ -10899,7 +10990,7 @@
             </a:ln>
             <a:extLst>
               <a:ext uri="{C572A759-6A51-4108-AA02-DFA0A04FC94B}">
-                <ma14:wrappingTextBoxFlag xmlns="" xmlns:ma14="http://schemas.microsoft.com/office/mac/drawingml/2011/main" val="1"/>
+                <ma14:wrappingTextBoxFlag xmlns:ma14="http://schemas.microsoft.com/office/mac/drawingml/2011/main" xmlns="" val="1"/>
               </a:ext>
             </a:extLst>
           </p:spPr>
@@ -10948,7 +11039,7 @@
             </a:ln>
             <a:extLst>
               <a:ext uri="{C572A759-6A51-4108-AA02-DFA0A04FC94B}">
-                <ma14:wrappingTextBoxFlag xmlns="" xmlns:ma14="http://schemas.microsoft.com/office/mac/drawingml/2011/main" val="1"/>
+                <ma14:wrappingTextBoxFlag xmlns:ma14="http://schemas.microsoft.com/office/mac/drawingml/2011/main" xmlns="" val="1"/>
               </a:ext>
             </a:extLst>
           </p:spPr>
@@ -11076,7 +11167,7 @@
             </a:ln>
             <a:extLst>
               <a:ext uri="{C572A759-6A51-4108-AA02-DFA0A04FC94B}">
-                <ma14:wrappingTextBoxFlag xmlns="" xmlns:ma14="http://schemas.microsoft.com/office/mac/drawingml/2011/main" val="1"/>
+                <ma14:wrappingTextBoxFlag xmlns:ma14="http://schemas.microsoft.com/office/mac/drawingml/2011/main" xmlns="" val="1"/>
               </a:ext>
             </a:extLst>
           </p:spPr>
@@ -11214,7 +11305,7 @@
             </a:ln>
             <a:extLst>
               <a:ext uri="{C572A759-6A51-4108-AA02-DFA0A04FC94B}">
-                <ma14:wrappingTextBoxFlag xmlns="" xmlns:ma14="http://schemas.microsoft.com/office/mac/drawingml/2011/main" val="1"/>
+                <ma14:wrappingTextBoxFlag xmlns:ma14="http://schemas.microsoft.com/office/mac/drawingml/2011/main" xmlns="" val="1"/>
               </a:ext>
             </a:extLst>
           </p:spPr>
@@ -11271,7 +11362,7 @@
             </a:ln>
             <a:extLst>
               <a:ext uri="{C572A759-6A51-4108-AA02-DFA0A04FC94B}">
-                <ma14:wrappingTextBoxFlag xmlns="" xmlns:ma14="http://schemas.microsoft.com/office/mac/drawingml/2011/main" val="1"/>
+                <ma14:wrappingTextBoxFlag xmlns:ma14="http://schemas.microsoft.com/office/mac/drawingml/2011/main" xmlns="" val="1"/>
               </a:ext>
             </a:extLst>
           </p:spPr>
@@ -11337,10 +11428,10 @@
       </p:grpSpPr>
       <p:sp>
         <p:nvSpPr>
-          <p:cNvPr id="36" name="Shape 275">
+          <p:cNvPr id="35" name="Shape 275">
             <a:extLst>
               <a:ext uri="{FF2B5EF4-FFF2-40B4-BE49-F238E27FC236}">
-                <a16:creationId xmlns:a16="http://schemas.microsoft.com/office/drawing/2014/main" id="{172157E0-0803-3544-BA1F-FFFDD1296FDB}"/>
+                <a16:creationId xmlns:a16="http://schemas.microsoft.com/office/drawing/2014/main" id="{F9519650-79BC-E448-A988-82502D5C678B}"/>
               </a:ext>
             </a:extLst>
           </p:cNvPr>
@@ -11349,8 +11440,8 @@
         </p:nvSpPr>
         <p:spPr>
           <a:xfrm>
-            <a:off x="16175715" y="12197327"/>
-            <a:ext cx="7449218" cy="1375376"/>
+            <a:off x="12191046" y="12146174"/>
+            <a:ext cx="17584616" cy="1683152"/>
           </a:xfrm>
           <a:prstGeom prst="rect">
             <a:avLst/>
@@ -11360,17 +11451,17 @@
           </a:ln>
           <a:extLst>
             <a:ext uri="{C572A759-6A51-4108-AA02-DFA0A04FC94B}">
-              <ma14:wrappingTextBoxFlag xmlns:ma14="http://schemas.microsoft.com/office/mac/drawingml/2011/main" xmlns="" val="1"/>
+              <ma14:wrappingTextBoxFlag xmlns="" xmlns:ma14="http://schemas.microsoft.com/office/mac/drawingml/2011/main" val="1"/>
             </a:ext>
           </a:extLst>
         </p:spPr>
         <p:txBody>
-          <a:bodyPr wrap="none" lIns="71437" tIns="71437" rIns="71437" bIns="71437" anchor="ctr">
+          <a:bodyPr wrap="square" lIns="71437" tIns="71437" rIns="71437" bIns="71437" anchor="ctr">
             <a:spAutoFit/>
           </a:bodyPr>
           <a:lstStyle/>
           <a:p>
-            <a:pPr algn="r">
+            <a:pPr algn="l">
               <a:defRPr sz="2000" b="0">
                 <a:solidFill>
                   <a:srgbClr val="919191"/>
@@ -11381,29 +11472,10 @@
                 <a:sym typeface="Montserrat Medium"/>
               </a:defRPr>
             </a:pPr>
-            <a:r>
-              <a:rPr lang="en-AU" dirty="0"/>
-              <a:t>Image Attribution: </a:t>
-            </a:r>
-            <a:r>
-              <a:rPr lang="en-AU" dirty="0" err="1"/>
-              <a:t>Soozed</a:t>
-            </a:r>
-            <a:r>
-              <a:rPr lang="en-AU" dirty="0"/>
-              <a:t>, CC BY 2.0, https://</a:t>
-            </a:r>
-            <a:r>
-              <a:rPr lang="en-AU" dirty="0" err="1"/>
-              <a:t>www.flickr</a:t>
-            </a:r>
-            <a:r>
-              <a:rPr lang="en-AU" dirty="0"/>
-              <a:t>.</a:t>
-            </a:r>
+            <a:endParaRPr lang="en-AU" dirty="0"/>
           </a:p>
           <a:p>
-            <a:pPr algn="r">
+            <a:pPr algn="l">
               <a:defRPr sz="2000" b="0">
                 <a:solidFill>
                   <a:srgbClr val="919191"/>
@@ -11415,20 +11487,52 @@
               </a:defRPr>
             </a:pPr>
             <a:r>
+              <a:rPr dirty="0"/>
+              <a:t>Image Attribution</a:t>
+            </a:r>
+            <a:r>
               <a:rPr lang="en-AU" dirty="0"/>
-              <a:t>com/photos/</a:t>
-            </a:r>
-            <a:r>
-              <a:rPr lang="en-AU" dirty="0" err="1"/>
+              <a:t>: </a:t>
+            </a:r>
+            <a:r>
+              <a:rPr lang="en-AU" sz="2000" b="0" dirty="0" err="1">
+                <a:sym typeface="Montserrat Medium"/>
+              </a:rPr>
+              <a:t>Soozed</a:t>
+            </a:r>
+            <a:r>
+              <a:rPr lang="en-AU" sz="2000" b="0" dirty="0">
+                <a:sym typeface="Montserrat Medium"/>
+              </a:rPr>
+              <a:t>, CC BY 2.0, https://</a:t>
+            </a:r>
+            <a:r>
+              <a:rPr lang="en-AU" sz="2000" b="0" dirty="0" err="1">
+                <a:sym typeface="Montserrat Medium"/>
+              </a:rPr>
+              <a:t>www.flickr.com</a:t>
+            </a:r>
+            <a:r>
+              <a:rPr lang="en-AU" sz="2000" b="0" dirty="0">
+                <a:sym typeface="Montserrat Medium"/>
+              </a:rPr>
+              <a:t>/photos/</a:t>
+            </a:r>
+            <a:r>
+              <a:rPr lang="en-AU" sz="2000" b="0" dirty="0" err="1">
+                <a:sym typeface="Montserrat Medium"/>
+              </a:rPr>
               <a:t>soozed</a:t>
             </a:r>
             <a:r>
-              <a:rPr lang="en-AU" dirty="0"/>
+              <a:rPr lang="en-AU" sz="2000" b="0" dirty="0">
+                <a:sym typeface="Montserrat Medium"/>
+              </a:rPr>
               <a:t>/10345656063</a:t>
             </a:r>
           </a:p>
           <a:p>
-            <a:pPr algn="r">
+            <a:pPr algn="l">
               <a:defRPr sz="2000" b="0">
                 <a:solidFill>
                   <a:srgbClr val="919191"/>
@@ -11440,12 +11544,30 @@
               </a:defRPr>
             </a:pPr>
             <a:r>
-              <a:rPr lang="en-AU" dirty="0"/>
+              <a:rPr lang="en-AU" sz="2000" b="0" dirty="0">
+                <a:sym typeface="Montserrat Medium"/>
+              </a:rPr>
               <a:t> </a:t>
             </a:r>
           </a:p>
           <a:p>
-            <a:pPr algn="r">
+            <a:pPr algn="l">
+              <a:defRPr sz="2000" b="0">
+                <a:solidFill>
+                  <a:srgbClr val="919191"/>
+                </a:solidFill>
+                <a:latin typeface="Montserrat Medium"/>
+                <a:ea typeface="Montserrat Medium"/>
+                <a:cs typeface="Montserrat Medium"/>
+                <a:sym typeface="Montserrat Medium"/>
+              </a:defRPr>
+            </a:pPr>
+            <a:endParaRPr lang="en-AU" sz="2000" b="0" dirty="0">
+              <a:sym typeface="Montserrat Medium"/>
+            </a:endParaRPr>
+          </a:p>
+          <a:p>
+            <a:pPr algn="l">
               <a:defRPr sz="2000" b="0">
                 <a:solidFill>
                   <a:srgbClr val="919191"/>
@@ -11578,7 +11700,7 @@
           </a:ln>
           <a:extLst>
             <a:ext uri="{C572A759-6A51-4108-AA02-DFA0A04FC94B}">
-              <ma14:wrappingTextBoxFlag xmlns:ma14="http://schemas.microsoft.com/office/mac/drawingml/2011/main" xmlns="" val="1"/>
+              <ma14:wrappingTextBoxFlag xmlns="" xmlns:ma14="http://schemas.microsoft.com/office/mac/drawingml/2011/main" val="1"/>
             </a:ext>
           </a:extLst>
         </p:spPr>
@@ -11633,7 +11755,7 @@
           </a:ln>
           <a:extLst>
             <a:ext uri="{C572A759-6A51-4108-AA02-DFA0A04FC94B}">
-              <ma14:wrappingTextBoxFlag xmlns:ma14="http://schemas.microsoft.com/office/mac/drawingml/2011/main" xmlns="" val="1"/>
+              <ma14:wrappingTextBoxFlag xmlns="" xmlns:ma14="http://schemas.microsoft.com/office/mac/drawingml/2011/main" val="1"/>
             </a:ext>
           </a:extLst>
         </p:spPr>
@@ -11689,7 +11811,7 @@
           </a:ln>
           <a:extLst>
             <a:ext uri="{C572A759-6A51-4108-AA02-DFA0A04FC94B}">
-              <ma14:wrappingTextBoxFlag xmlns:ma14="http://schemas.microsoft.com/office/mac/drawingml/2011/main" xmlns="" val="1"/>
+              <ma14:wrappingTextBoxFlag xmlns="" xmlns:ma14="http://schemas.microsoft.com/office/mac/drawingml/2011/main" val="1"/>
             </a:ext>
           </a:extLst>
         </p:spPr>
@@ -11745,7 +11867,7 @@
           </a:ln>
           <a:extLst>
             <a:ext uri="{C572A759-6A51-4108-AA02-DFA0A04FC94B}">
-              <ma14:wrappingTextBoxFlag xmlns:ma14="http://schemas.microsoft.com/office/mac/drawingml/2011/main" xmlns="" val="1"/>
+              <ma14:wrappingTextBoxFlag xmlns="" xmlns:ma14="http://schemas.microsoft.com/office/mac/drawingml/2011/main" val="1"/>
             </a:ext>
           </a:extLst>
         </p:spPr>
@@ -11801,7 +11923,7 @@
           </a:ln>
           <a:extLst>
             <a:ext uri="{C572A759-6A51-4108-AA02-DFA0A04FC94B}">
-              <ma14:wrappingTextBoxFlag xmlns:ma14="http://schemas.microsoft.com/office/mac/drawingml/2011/main" xmlns="" val="1"/>
+              <ma14:wrappingTextBoxFlag xmlns="" xmlns:ma14="http://schemas.microsoft.com/office/mac/drawingml/2011/main" val="1"/>
             </a:ext>
           </a:extLst>
         </p:spPr>
@@ -11857,7 +11979,7 @@
           </a:ln>
           <a:extLst>
             <a:ext uri="{C572A759-6A51-4108-AA02-DFA0A04FC94B}">
-              <ma14:wrappingTextBoxFlag xmlns:ma14="http://schemas.microsoft.com/office/mac/drawingml/2011/main" xmlns="" val="1"/>
+              <ma14:wrappingTextBoxFlag xmlns="" xmlns:ma14="http://schemas.microsoft.com/office/mac/drawingml/2011/main" val="1"/>
             </a:ext>
           </a:extLst>
         </p:spPr>
@@ -12044,7 +12166,7 @@
             </a:ln>
             <a:extLst>
               <a:ext uri="{C572A759-6A51-4108-AA02-DFA0A04FC94B}">
-                <ma14:wrappingTextBoxFlag xmlns:ma14="http://schemas.microsoft.com/office/mac/drawingml/2011/main" xmlns="" val="1"/>
+                <ma14:wrappingTextBoxFlag xmlns="" xmlns:ma14="http://schemas.microsoft.com/office/mac/drawingml/2011/main" val="1"/>
               </a:ext>
             </a:extLst>
           </p:spPr>
@@ -12129,7 +12251,7 @@
             </a:ln>
             <a:extLst>
               <a:ext uri="{C572A759-6A51-4108-AA02-DFA0A04FC94B}">
-                <ma14:wrappingTextBoxFlag xmlns:ma14="http://schemas.microsoft.com/office/mac/drawingml/2011/main" xmlns="" val="1"/>
+                <ma14:wrappingTextBoxFlag xmlns="" xmlns:ma14="http://schemas.microsoft.com/office/mac/drawingml/2011/main" val="1"/>
               </a:ext>
             </a:extLst>
           </p:spPr>
@@ -12252,7 +12374,7 @@
             </a:ln>
             <a:extLst>
               <a:ext uri="{C572A759-6A51-4108-AA02-DFA0A04FC94B}">
-                <ma14:wrappingTextBoxFlag xmlns:ma14="http://schemas.microsoft.com/office/mac/drawingml/2011/main" xmlns="" val="1"/>
+                <ma14:wrappingTextBoxFlag xmlns="" xmlns:ma14="http://schemas.microsoft.com/office/mac/drawingml/2011/main" val="1"/>
               </a:ext>
             </a:extLst>
           </p:spPr>
@@ -12301,7 +12423,7 @@
             </a:ln>
             <a:extLst>
               <a:ext uri="{C572A759-6A51-4108-AA02-DFA0A04FC94B}">
-                <ma14:wrappingTextBoxFlag xmlns:ma14="http://schemas.microsoft.com/office/mac/drawingml/2011/main" xmlns="" val="1"/>
+                <ma14:wrappingTextBoxFlag xmlns="" xmlns:ma14="http://schemas.microsoft.com/office/mac/drawingml/2011/main" val="1"/>
               </a:ext>
             </a:extLst>
           </p:spPr>
@@ -12349,7 +12471,7 @@
             </a:ln>
             <a:extLst>
               <a:ext uri="{C572A759-6A51-4108-AA02-DFA0A04FC94B}">
-                <ma14:wrappingTextBoxFlag xmlns:ma14="http://schemas.microsoft.com/office/mac/drawingml/2011/main" xmlns="" val="1"/>
+                <ma14:wrappingTextBoxFlag xmlns="" xmlns:ma14="http://schemas.microsoft.com/office/mac/drawingml/2011/main" val="1"/>
               </a:ext>
             </a:extLst>
           </p:spPr>
@@ -12625,7 +12747,7 @@
             </a:ln>
             <a:extLst>
               <a:ext uri="{C572A759-6A51-4108-AA02-DFA0A04FC94B}">
-                <ma14:wrappingTextBoxFlag xmlns:ma14="http://schemas.microsoft.com/office/mac/drawingml/2011/main" xmlns="" val="1"/>
+                <ma14:wrappingTextBoxFlag xmlns="" xmlns:ma14="http://schemas.microsoft.com/office/mac/drawingml/2011/main" val="1"/>
               </a:ext>
             </a:extLst>
           </p:spPr>
@@ -12674,7 +12796,7 @@
             </a:ln>
             <a:extLst>
               <a:ext uri="{C572A759-6A51-4108-AA02-DFA0A04FC94B}">
-                <ma14:wrappingTextBoxFlag xmlns:ma14="http://schemas.microsoft.com/office/mac/drawingml/2011/main" xmlns="" val="1"/>
+                <ma14:wrappingTextBoxFlag xmlns="" xmlns:ma14="http://schemas.microsoft.com/office/mac/drawingml/2011/main" val="1"/>
               </a:ext>
             </a:extLst>
           </p:spPr>
@@ -12802,7 +12924,7 @@
             </a:ln>
             <a:extLst>
               <a:ext uri="{C572A759-6A51-4108-AA02-DFA0A04FC94B}">
-                <ma14:wrappingTextBoxFlag xmlns:ma14="http://schemas.microsoft.com/office/mac/drawingml/2011/main" xmlns="" val="1"/>
+                <ma14:wrappingTextBoxFlag xmlns="" xmlns:ma14="http://schemas.microsoft.com/office/mac/drawingml/2011/main" val="1"/>
               </a:ext>
             </a:extLst>
           </p:spPr>
@@ -12940,7 +13062,7 @@
             </a:ln>
             <a:extLst>
               <a:ext uri="{C572A759-6A51-4108-AA02-DFA0A04FC94B}">
-                <ma14:wrappingTextBoxFlag xmlns:ma14="http://schemas.microsoft.com/office/mac/drawingml/2011/main" xmlns="" val="1"/>
+                <ma14:wrappingTextBoxFlag xmlns="" xmlns:ma14="http://schemas.microsoft.com/office/mac/drawingml/2011/main" val="1"/>
               </a:ext>
             </a:extLst>
           </p:spPr>
@@ -12997,7 +13119,7 @@
             </a:ln>
             <a:extLst>
               <a:ext uri="{C572A759-6A51-4108-AA02-DFA0A04FC94B}">
-                <ma14:wrappingTextBoxFlag xmlns:ma14="http://schemas.microsoft.com/office/mac/drawingml/2011/main" xmlns="" val="1"/>
+                <ma14:wrappingTextBoxFlag xmlns="" xmlns:ma14="http://schemas.microsoft.com/office/mac/drawingml/2011/main" val="1"/>
               </a:ext>
             </a:extLst>
           </p:spPr>
@@ -13128,7 +13250,7 @@
             </a:ln>
             <a:extLst>
               <a:ext uri="{C572A759-6A51-4108-AA02-DFA0A04FC94B}">
-                <ma14:wrappingTextBoxFlag xmlns:ma14="http://schemas.microsoft.com/office/mac/drawingml/2011/main" xmlns="" val="1"/>
+                <ma14:wrappingTextBoxFlag xmlns="" xmlns:ma14="http://schemas.microsoft.com/office/mac/drawingml/2011/main" val="1"/>
               </a:ext>
             </a:extLst>
           </p:spPr>
@@ -13215,7 +13337,7 @@
             </a:ln>
             <a:extLst>
               <a:ext uri="{C572A759-6A51-4108-AA02-DFA0A04FC94B}">
-                <ma14:wrappingTextBoxFlag xmlns:ma14="http://schemas.microsoft.com/office/mac/drawingml/2011/main" xmlns="" val="1"/>
+                <ma14:wrappingTextBoxFlag xmlns="" xmlns:ma14="http://schemas.microsoft.com/office/mac/drawingml/2011/main" val="1"/>
               </a:ext>
             </a:extLst>
           </p:spPr>
@@ -13262,7 +13384,7 @@
             </a:ln>
             <a:extLst>
               <a:ext uri="{C572A759-6A51-4108-AA02-DFA0A04FC94B}">
-                <ma14:wrappingTextBoxFlag xmlns:ma14="http://schemas.microsoft.com/office/mac/drawingml/2011/main" xmlns="" val="1"/>
+                <ma14:wrappingTextBoxFlag xmlns="" xmlns:ma14="http://schemas.microsoft.com/office/mac/drawingml/2011/main" val="1"/>
               </a:ext>
             </a:extLst>
           </p:spPr>
@@ -13414,7 +13536,7 @@
             </a:ln>
             <a:extLst>
               <a:ext uri="{C572A759-6A51-4108-AA02-DFA0A04FC94B}">
-                <ma14:wrappingTextBoxFlag xmlns:ma14="http://schemas.microsoft.com/office/mac/drawingml/2011/main" xmlns="" val="1"/>
+                <ma14:wrappingTextBoxFlag xmlns="" xmlns:ma14="http://schemas.microsoft.com/office/mac/drawingml/2011/main" val="1"/>
               </a:ext>
             </a:extLst>
           </p:spPr>
@@ -13619,7 +13741,7 @@
             </a:ln>
             <a:extLst>
               <a:ext uri="{C572A759-6A51-4108-AA02-DFA0A04FC94B}">
-                <ma14:wrappingTextBoxFlag xmlns:ma14="http://schemas.microsoft.com/office/mac/drawingml/2011/main" xmlns="" val="1"/>
+                <ma14:wrappingTextBoxFlag xmlns="" xmlns:ma14="http://schemas.microsoft.com/office/mac/drawingml/2011/main" val="1"/>
               </a:ext>
             </a:extLst>
           </p:spPr>
@@ -13714,7 +13836,7 @@
             </a:ln>
             <a:extLst>
               <a:ext uri="{C572A759-6A51-4108-AA02-DFA0A04FC94B}">
-                <ma14:wrappingTextBoxFlag xmlns:ma14="http://schemas.microsoft.com/office/mac/drawingml/2011/main" xmlns="" val="1"/>
+                <ma14:wrappingTextBoxFlag xmlns="" xmlns:ma14="http://schemas.microsoft.com/office/mac/drawingml/2011/main" val="1"/>
               </a:ext>
             </a:extLst>
           </p:spPr>
@@ -13805,7 +13927,7 @@
             </a:ln>
             <a:extLst>
               <a:ext uri="{C572A759-6A51-4108-AA02-DFA0A04FC94B}">
-                <ma14:wrappingTextBoxFlag xmlns:ma14="http://schemas.microsoft.com/office/mac/drawingml/2011/main" xmlns="" val="1"/>
+                <ma14:wrappingTextBoxFlag xmlns="" xmlns:ma14="http://schemas.microsoft.com/office/mac/drawingml/2011/main" val="1"/>
               </a:ext>
             </a:extLst>
           </p:spPr>
@@ -13984,7 +14106,7 @@
             </a:ln>
             <a:extLst>
               <a:ext uri="{C572A759-6A51-4108-AA02-DFA0A04FC94B}">
-                <ma14:wrappingTextBoxFlag xmlns:ma14="http://schemas.microsoft.com/office/mac/drawingml/2011/main" xmlns="" val="1"/>
+                <ma14:wrappingTextBoxFlag xmlns="" xmlns:ma14="http://schemas.microsoft.com/office/mac/drawingml/2011/main" val="1"/>
               </a:ext>
             </a:extLst>
           </p:spPr>
